--- a/Documents/EndPreasentation.pptx
+++ b/Documents/EndPreasentation.pptx
@@ -4,27 +4,31 @@
   <p:sldMasterIdLst>
     <p:sldMasterId id="2147483648" r:id="rId1"/>
   </p:sldMasterIdLst>
+  <p:notesMasterIdLst>
+    <p:notesMasterId r:id="rId23"/>
+  </p:notesMasterIdLst>
   <p:sldIdLst>
     <p:sldId id="256" r:id="rId2"/>
-    <p:sldId id="261" r:id="rId3"/>
-    <p:sldId id="266" r:id="rId4"/>
-    <p:sldId id="267" r:id="rId5"/>
-    <p:sldId id="268" r:id="rId6"/>
-    <p:sldId id="270" r:id="rId7"/>
-    <p:sldId id="271" r:id="rId8"/>
-    <p:sldId id="272" r:id="rId9"/>
-    <p:sldId id="275" r:id="rId10"/>
-    <p:sldId id="273" r:id="rId11"/>
-    <p:sldId id="276" r:id="rId12"/>
-    <p:sldId id="274" r:id="rId13"/>
-    <p:sldId id="277" r:id="rId14"/>
-    <p:sldId id="269" r:id="rId15"/>
-    <p:sldId id="258" r:id="rId16"/>
-    <p:sldId id="259" r:id="rId17"/>
-    <p:sldId id="260" r:id="rId18"/>
-    <p:sldId id="265" r:id="rId19"/>
-    <p:sldId id="263" r:id="rId20"/>
-    <p:sldId id="264" r:id="rId21"/>
+    <p:sldId id="278" r:id="rId3"/>
+    <p:sldId id="261" r:id="rId4"/>
+    <p:sldId id="266" r:id="rId5"/>
+    <p:sldId id="267" r:id="rId6"/>
+    <p:sldId id="268" r:id="rId7"/>
+    <p:sldId id="270" r:id="rId8"/>
+    <p:sldId id="271" r:id="rId9"/>
+    <p:sldId id="272" r:id="rId10"/>
+    <p:sldId id="275" r:id="rId11"/>
+    <p:sldId id="273" r:id="rId12"/>
+    <p:sldId id="276" r:id="rId13"/>
+    <p:sldId id="274" r:id="rId14"/>
+    <p:sldId id="277" r:id="rId15"/>
+    <p:sldId id="269" r:id="rId16"/>
+    <p:sldId id="258" r:id="rId17"/>
+    <p:sldId id="259" r:id="rId18"/>
+    <p:sldId id="260" r:id="rId19"/>
+    <p:sldId id="265" r:id="rId20"/>
+    <p:sldId id="263" r:id="rId21"/>
+    <p:sldId id="264" r:id="rId22"/>
   </p:sldIdLst>
   <p:sldSz cx="12192000" cy="6858000"/>
   <p:notesSz cx="6858000" cy="9144000"/>
@@ -584,6 +588,426 @@
           </pc:sldLayoutMkLst>
         </pc:sldLayoutChg>
       </pc:sldMasterChg>
+    </pc:docChg>
+  </pc:docChgLst>
+  <pc:docChgLst>
+    <pc:chgData name="Legenjovic' David" userId="f158eaf0-1167-473c-b884-84aa6febda82" providerId="ADAL" clId="{35337DEC-A6CB-4A28-BA57-45C271C95F32}"/>
+    <pc:docChg chg="undo custSel addSld modSld sldOrd">
+      <pc:chgData name="Legenjovic' David" userId="f158eaf0-1167-473c-b884-84aa6febda82" providerId="ADAL" clId="{35337DEC-A6CB-4A28-BA57-45C271C95F32}" dt="2024-06-19T05:35:18.779" v="151" actId="20577"/>
+      <pc:docMkLst>
+        <pc:docMk/>
+      </pc:docMkLst>
+      <pc:sldChg chg="modSp mod">
+        <pc:chgData name="Legenjovic' David" userId="f158eaf0-1167-473c-b884-84aa6febda82" providerId="ADAL" clId="{35337DEC-A6CB-4A28-BA57-45C271C95F32}" dt="2024-06-12T05:51:53.263" v="58" actId="20577"/>
+        <pc:sldMkLst>
+          <pc:docMk/>
+          <pc:sldMk cId="3365849256" sldId="258"/>
+        </pc:sldMkLst>
+        <pc:spChg chg="mod">
+          <ac:chgData name="Legenjovic' David" userId="f158eaf0-1167-473c-b884-84aa6febda82" providerId="ADAL" clId="{35337DEC-A6CB-4A28-BA57-45C271C95F32}" dt="2024-06-12T05:51:53.263" v="58" actId="20577"/>
+          <ac:spMkLst>
+            <pc:docMk/>
+            <pc:sldMk cId="3365849256" sldId="258"/>
+            <ac:spMk id="3" creationId="{4C3FD88B-B422-ABCE-FD85-A6850BA10830}"/>
+          </ac:spMkLst>
+        </pc:spChg>
+      </pc:sldChg>
+      <pc:sldChg chg="modSp mod">
+        <pc:chgData name="Legenjovic' David" userId="f158eaf0-1167-473c-b884-84aa6febda82" providerId="ADAL" clId="{35337DEC-A6CB-4A28-BA57-45C271C95F32}" dt="2024-06-19T05:35:11.395" v="149" actId="20577"/>
+        <pc:sldMkLst>
+          <pc:docMk/>
+          <pc:sldMk cId="1111578347" sldId="261"/>
+        </pc:sldMkLst>
+        <pc:spChg chg="mod">
+          <ac:chgData name="Legenjovic' David" userId="f158eaf0-1167-473c-b884-84aa6febda82" providerId="ADAL" clId="{35337DEC-A6CB-4A28-BA57-45C271C95F32}" dt="2024-06-19T05:35:11.395" v="149" actId="20577"/>
+          <ac:spMkLst>
+            <pc:docMk/>
+            <pc:sldMk cId="1111578347" sldId="261"/>
+            <ac:spMk id="3" creationId="{4F657958-519A-73E4-02A7-5A766F695802}"/>
+          </ac:spMkLst>
+        </pc:spChg>
+      </pc:sldChg>
+      <pc:sldChg chg="addSp delSp modSp new mod">
+        <pc:chgData name="Legenjovic' David" userId="f158eaf0-1167-473c-b884-84aa6febda82" providerId="ADAL" clId="{35337DEC-A6CB-4A28-BA57-45C271C95F32}" dt="2024-06-18T13:27:07.676" v="67" actId="14100"/>
+        <pc:sldMkLst>
+          <pc:docMk/>
+          <pc:sldMk cId="3213108391" sldId="264"/>
+        </pc:sldMkLst>
+        <pc:spChg chg="mod">
+          <ac:chgData name="Legenjovic' David" userId="f158eaf0-1167-473c-b884-84aa6febda82" providerId="ADAL" clId="{35337DEC-A6CB-4A28-BA57-45C271C95F32}" dt="2024-06-18T13:26:55.622" v="64" actId="26606"/>
+          <ac:spMkLst>
+            <pc:docMk/>
+            <pc:sldMk cId="3213108391" sldId="264"/>
+            <ac:spMk id="2" creationId="{C187B6FD-23D6-A736-A3EB-8884DE82658E}"/>
+          </ac:spMkLst>
+        </pc:spChg>
+        <pc:spChg chg="del">
+          <ac:chgData name="Legenjovic' David" userId="f158eaf0-1167-473c-b884-84aa6febda82" providerId="ADAL" clId="{35337DEC-A6CB-4A28-BA57-45C271C95F32}" dt="2024-06-18T13:26:55.622" v="64" actId="26606"/>
+          <ac:spMkLst>
+            <pc:docMk/>
+            <pc:sldMk cId="3213108391" sldId="264"/>
+            <ac:spMk id="9" creationId="{A414F261-E931-45CB-8605-20FFD6826336}"/>
+          </ac:spMkLst>
+        </pc:spChg>
+        <pc:spChg chg="add">
+          <ac:chgData name="Legenjovic' David" userId="f158eaf0-1167-473c-b884-84aa6febda82" providerId="ADAL" clId="{35337DEC-A6CB-4A28-BA57-45C271C95F32}" dt="2024-06-18T13:26:55.622" v="64" actId="26606"/>
+          <ac:spMkLst>
+            <pc:docMk/>
+            <pc:sldMk cId="3213108391" sldId="264"/>
+            <ac:spMk id="18" creationId="{A8384FB5-9ADC-4DDC-881B-597D56F5B15D}"/>
+          </ac:spMkLst>
+        </pc:spChg>
+        <pc:spChg chg="add">
+          <ac:chgData name="Legenjovic' David" userId="f158eaf0-1167-473c-b884-84aa6febda82" providerId="ADAL" clId="{35337DEC-A6CB-4A28-BA57-45C271C95F32}" dt="2024-06-18T13:26:55.622" v="64" actId="26606"/>
+          <ac:spMkLst>
+            <pc:docMk/>
+            <pc:sldMk cId="3213108391" sldId="264"/>
+            <ac:spMk id="20" creationId="{91E5A9A7-95C6-4F4F-B00E-C82E07FE62EF}"/>
+          </ac:spMkLst>
+        </pc:spChg>
+        <pc:spChg chg="add">
+          <ac:chgData name="Legenjovic' David" userId="f158eaf0-1167-473c-b884-84aa6febda82" providerId="ADAL" clId="{35337DEC-A6CB-4A28-BA57-45C271C95F32}" dt="2024-06-18T13:26:55.622" v="64" actId="26606"/>
+          <ac:spMkLst>
+            <pc:docMk/>
+            <pc:sldMk cId="3213108391" sldId="264"/>
+            <ac:spMk id="22" creationId="{D07DD2DE-F619-49DD-B5E7-03A290FF4ED1}"/>
+          </ac:spMkLst>
+        </pc:spChg>
+        <pc:spChg chg="add">
+          <ac:chgData name="Legenjovic' David" userId="f158eaf0-1167-473c-b884-84aa6febda82" providerId="ADAL" clId="{35337DEC-A6CB-4A28-BA57-45C271C95F32}" dt="2024-06-18T13:26:55.622" v="64" actId="26606"/>
+          <ac:spMkLst>
+            <pc:docMk/>
+            <pc:sldMk cId="3213108391" sldId="264"/>
+            <ac:spMk id="24" creationId="{85149191-5F60-4A28-AAFF-039F96B0F3EC}"/>
+          </ac:spMkLst>
+        </pc:spChg>
+        <pc:spChg chg="add">
+          <ac:chgData name="Legenjovic' David" userId="f158eaf0-1167-473c-b884-84aa6febda82" providerId="ADAL" clId="{35337DEC-A6CB-4A28-BA57-45C271C95F32}" dt="2024-06-18T13:26:55.622" v="64" actId="26606"/>
+          <ac:spMkLst>
+            <pc:docMk/>
+            <pc:sldMk cId="3213108391" sldId="264"/>
+            <ac:spMk id="26" creationId="{F8260ED5-17F7-4158-B241-D51DD4CF1B7E}"/>
+          </ac:spMkLst>
+        </pc:spChg>
+        <pc:picChg chg="add mod">
+          <ac:chgData name="Legenjovic' David" userId="f158eaf0-1167-473c-b884-84aa6febda82" providerId="ADAL" clId="{35337DEC-A6CB-4A28-BA57-45C271C95F32}" dt="2024-06-18T13:27:07.676" v="67" actId="14100"/>
+          <ac:picMkLst>
+            <pc:docMk/>
+            <pc:sldMk cId="3213108391" sldId="264"/>
+            <ac:picMk id="4" creationId="{CD31162B-CEF8-622D-D526-EB40DEB4A224}"/>
+          </ac:picMkLst>
+        </pc:picChg>
+        <pc:picChg chg="del">
+          <ac:chgData name="Legenjovic' David" userId="f158eaf0-1167-473c-b884-84aa6febda82" providerId="ADAL" clId="{35337DEC-A6CB-4A28-BA57-45C271C95F32}" dt="2024-06-18T13:26:45.857" v="59" actId="478"/>
+          <ac:picMkLst>
+            <pc:docMk/>
+            <pc:sldMk cId="3213108391" sldId="264"/>
+            <ac:picMk id="5" creationId="{8A256A9A-82D7-842C-C828-DBF47C92BC27}"/>
+          </ac:picMkLst>
+        </pc:picChg>
+        <pc:cxnChg chg="del">
+          <ac:chgData name="Legenjovic' David" userId="f158eaf0-1167-473c-b884-84aa6febda82" providerId="ADAL" clId="{35337DEC-A6CB-4A28-BA57-45C271C95F32}" dt="2024-06-18T13:26:55.622" v="64" actId="26606"/>
+          <ac:cxnSpMkLst>
+            <pc:docMk/>
+            <pc:sldMk cId="3213108391" sldId="264"/>
+            <ac:cxnSpMk id="11" creationId="{B63CF8AD-BB19-4F90-BDE5-B3B3F56F4E4A}"/>
+          </ac:cxnSpMkLst>
+        </pc:cxnChg>
+        <pc:cxnChg chg="del">
+          <ac:chgData name="Legenjovic' David" userId="f158eaf0-1167-473c-b884-84aa6febda82" providerId="ADAL" clId="{35337DEC-A6CB-4A28-BA57-45C271C95F32}" dt="2024-06-18T13:26:55.622" v="64" actId="26606"/>
+          <ac:cxnSpMkLst>
+            <pc:docMk/>
+            <pc:sldMk cId="3213108391" sldId="264"/>
+            <ac:cxnSpMk id="13" creationId="{224E62CA-FAA3-4628-AEF3-5033C771498B}"/>
+          </ac:cxnSpMkLst>
+        </pc:cxnChg>
+      </pc:sldChg>
+      <pc:sldChg chg="modSp mod">
+        <pc:chgData name="Legenjovic' David" userId="f158eaf0-1167-473c-b884-84aa6febda82" providerId="ADAL" clId="{35337DEC-A6CB-4A28-BA57-45C271C95F32}" dt="2024-06-19T05:35:18.779" v="151" actId="20577"/>
+        <pc:sldMkLst>
+          <pc:docMk/>
+          <pc:sldMk cId="3809562366" sldId="266"/>
+        </pc:sldMkLst>
+        <pc:spChg chg="mod">
+          <ac:chgData name="Legenjovic' David" userId="f158eaf0-1167-473c-b884-84aa6febda82" providerId="ADAL" clId="{35337DEC-A6CB-4A28-BA57-45C271C95F32}" dt="2024-06-19T05:35:18.779" v="151" actId="20577"/>
+          <ac:spMkLst>
+            <pc:docMk/>
+            <pc:sldMk cId="3809562366" sldId="266"/>
+            <ac:spMk id="2" creationId="{01F03A4B-1EED-1B22-7CE2-09EAACB7EC3D}"/>
+          </ac:spMkLst>
+        </pc:spChg>
+      </pc:sldChg>
+      <pc:sldChg chg="modSp mod">
+        <pc:chgData name="Legenjovic' David" userId="f158eaf0-1167-473c-b884-84aa6febda82" providerId="ADAL" clId="{35337DEC-A6CB-4A28-BA57-45C271C95F32}" dt="2024-06-19T05:30:23.181" v="115" actId="20577"/>
+        <pc:sldMkLst>
+          <pc:docMk/>
+          <pc:sldMk cId="3513526375" sldId="268"/>
+        </pc:sldMkLst>
+        <pc:spChg chg="mod">
+          <ac:chgData name="Legenjovic' David" userId="f158eaf0-1167-473c-b884-84aa6febda82" providerId="ADAL" clId="{35337DEC-A6CB-4A28-BA57-45C271C95F32}" dt="2024-06-19T05:30:23.181" v="115" actId="20577"/>
+          <ac:spMkLst>
+            <pc:docMk/>
+            <pc:sldMk cId="3513526375" sldId="268"/>
+            <ac:spMk id="3" creationId="{15B45B72-1217-86A7-A3DE-FAA6E467E215}"/>
+          </ac:spMkLst>
+        </pc:spChg>
+      </pc:sldChg>
+      <pc:sldChg chg="addSp delSp modSp new mod ord">
+        <pc:chgData name="Legenjovic' David" userId="f158eaf0-1167-473c-b884-84aa6febda82" providerId="ADAL" clId="{35337DEC-A6CB-4A28-BA57-45C271C95F32}" dt="2024-06-19T05:30:29.997" v="119" actId="27309"/>
+        <pc:sldMkLst>
+          <pc:docMk/>
+          <pc:sldMk cId="4064993527" sldId="270"/>
+        </pc:sldMkLst>
+        <pc:spChg chg="mod">
+          <ac:chgData name="Legenjovic' David" userId="f158eaf0-1167-473c-b884-84aa6febda82" providerId="ADAL" clId="{35337DEC-A6CB-4A28-BA57-45C271C95F32}" dt="2024-06-19T05:28:18.654" v="76" actId="20577"/>
+          <ac:spMkLst>
+            <pc:docMk/>
+            <pc:sldMk cId="4064993527" sldId="270"/>
+            <ac:spMk id="2" creationId="{13D71493-C590-F7D9-4899-F7C946DF8C83}"/>
+          </ac:spMkLst>
+        </pc:spChg>
+        <pc:spChg chg="del mod">
+          <ac:chgData name="Legenjovic' David" userId="f158eaf0-1167-473c-b884-84aa6febda82" providerId="ADAL" clId="{35337DEC-A6CB-4A28-BA57-45C271C95F32}" dt="2024-06-19T05:28:24.855" v="81" actId="478"/>
+          <ac:spMkLst>
+            <pc:docMk/>
+            <pc:sldMk cId="4064993527" sldId="270"/>
+            <ac:spMk id="3" creationId="{131224FF-C8BE-7B38-3908-ADCB5889ACE0}"/>
+          </ac:spMkLst>
+        </pc:spChg>
+        <pc:graphicFrameChg chg="add mod modGraphic">
+          <ac:chgData name="Legenjovic' David" userId="f158eaf0-1167-473c-b884-84aa6febda82" providerId="ADAL" clId="{35337DEC-A6CB-4A28-BA57-45C271C95F32}" dt="2024-06-19T05:29:09.967" v="89" actId="1076"/>
+          <ac:graphicFrameMkLst>
+            <pc:docMk/>
+            <pc:sldMk cId="4064993527" sldId="270"/>
+            <ac:graphicFrameMk id="4" creationId="{99935C3F-0503-ABA5-8719-322A83606B5F}"/>
+          </ac:graphicFrameMkLst>
+        </pc:graphicFrameChg>
+        <pc:graphicFrameChg chg="add del modGraphic">
+          <ac:chgData name="Legenjovic' David" userId="f158eaf0-1167-473c-b884-84aa6febda82" providerId="ADAL" clId="{35337DEC-A6CB-4A28-BA57-45C271C95F32}" dt="2024-06-19T05:30:29.997" v="119" actId="27309"/>
+          <ac:graphicFrameMkLst>
+            <pc:docMk/>
+            <pc:sldMk cId="4064993527" sldId="270"/>
+            <ac:graphicFrameMk id="6" creationId="{AC9E9E5A-945A-46B0-D037-2F6629247439}"/>
+          </ac:graphicFrameMkLst>
+        </pc:graphicFrameChg>
+      </pc:sldChg>
+      <pc:sldChg chg="addSp delSp modSp new mod">
+        <pc:chgData name="Legenjovic' David" userId="f158eaf0-1167-473c-b884-84aa6febda82" providerId="ADAL" clId="{35337DEC-A6CB-4A28-BA57-45C271C95F32}" dt="2024-06-19T05:29:50.318" v="95" actId="20577"/>
+        <pc:sldMkLst>
+          <pc:docMk/>
+          <pc:sldMk cId="2079529353" sldId="271"/>
+        </pc:sldMkLst>
+        <pc:spChg chg="del">
+          <ac:chgData name="Legenjovic' David" userId="f158eaf0-1167-473c-b884-84aa6febda82" providerId="ADAL" clId="{35337DEC-A6CB-4A28-BA57-45C271C95F32}" dt="2024-06-19T05:29:27.206" v="92" actId="478"/>
+          <ac:spMkLst>
+            <pc:docMk/>
+            <pc:sldMk cId="2079529353" sldId="271"/>
+            <ac:spMk id="3" creationId="{0C9DF358-79DA-D812-6AA6-3BDAA184E054}"/>
+          </ac:spMkLst>
+        </pc:spChg>
+        <pc:spChg chg="add mod">
+          <ac:chgData name="Legenjovic' David" userId="f158eaf0-1167-473c-b884-84aa6febda82" providerId="ADAL" clId="{35337DEC-A6CB-4A28-BA57-45C271C95F32}" dt="2024-06-19T05:29:50.318" v="95" actId="20577"/>
+          <ac:spMkLst>
+            <pc:docMk/>
+            <pc:sldMk cId="2079529353" sldId="271"/>
+            <ac:spMk id="4" creationId="{E501C573-7D46-DCF5-EC41-7C6D8BFEFA87}"/>
+          </ac:spMkLst>
+        </pc:spChg>
+        <pc:graphicFrameChg chg="add mod">
+          <ac:chgData name="Legenjovic' David" userId="f158eaf0-1167-473c-b884-84aa6febda82" providerId="ADAL" clId="{35337DEC-A6CB-4A28-BA57-45C271C95F32}" dt="2024-06-19T05:29:35.011" v="93" actId="1076"/>
+          <ac:graphicFrameMkLst>
+            <pc:docMk/>
+            <pc:sldMk cId="2079529353" sldId="271"/>
+            <ac:graphicFrameMk id="5" creationId="{96E663A9-1B2B-62AA-FC38-8F4B04E43A49}"/>
+          </ac:graphicFrameMkLst>
+        </pc:graphicFrameChg>
+      </pc:sldChg>
+      <pc:sldChg chg="addSp delSp modSp new mod">
+        <pc:chgData name="Legenjovic' David" userId="f158eaf0-1167-473c-b884-84aa6febda82" providerId="ADAL" clId="{35337DEC-A6CB-4A28-BA57-45C271C95F32}" dt="2024-06-19T05:30:53.600" v="122" actId="1076"/>
+        <pc:sldMkLst>
+          <pc:docMk/>
+          <pc:sldMk cId="3109046620" sldId="272"/>
+        </pc:sldMkLst>
+        <pc:spChg chg="mod">
+          <ac:chgData name="Legenjovic' David" userId="f158eaf0-1167-473c-b884-84aa6febda82" providerId="ADAL" clId="{35337DEC-A6CB-4A28-BA57-45C271C95F32}" dt="2024-06-19T05:29:55.912" v="104" actId="20577"/>
+          <ac:spMkLst>
+            <pc:docMk/>
+            <pc:sldMk cId="3109046620" sldId="272"/>
+            <ac:spMk id="2" creationId="{FDA4D8C8-0FC8-2425-A8F0-6E64AA5EA738}"/>
+          </ac:spMkLst>
+        </pc:spChg>
+        <pc:spChg chg="del">
+          <ac:chgData name="Legenjovic' David" userId="f158eaf0-1167-473c-b884-84aa6febda82" providerId="ADAL" clId="{35337DEC-A6CB-4A28-BA57-45C271C95F32}" dt="2024-06-19T05:30:49.165" v="120" actId="478"/>
+          <ac:spMkLst>
+            <pc:docMk/>
+            <pc:sldMk cId="3109046620" sldId="272"/>
+            <ac:spMk id="3" creationId="{D3356F91-E394-5A69-E216-DA71BFC1C199}"/>
+          </ac:spMkLst>
+        </pc:spChg>
+        <pc:graphicFrameChg chg="add mod">
+          <ac:chgData name="Legenjovic' David" userId="f158eaf0-1167-473c-b884-84aa6febda82" providerId="ADAL" clId="{35337DEC-A6CB-4A28-BA57-45C271C95F32}" dt="2024-06-19T05:30:53.600" v="122" actId="1076"/>
+          <ac:graphicFrameMkLst>
+            <pc:docMk/>
+            <pc:sldMk cId="3109046620" sldId="272"/>
+            <ac:graphicFrameMk id="4" creationId="{420B78FE-5F0E-44CA-04BD-2F85DE242779}"/>
+          </ac:graphicFrameMkLst>
+        </pc:graphicFrameChg>
+      </pc:sldChg>
+      <pc:sldChg chg="addSp delSp modSp add mod">
+        <pc:chgData name="Legenjovic' David" userId="f158eaf0-1167-473c-b884-84aa6febda82" providerId="ADAL" clId="{35337DEC-A6CB-4A28-BA57-45C271C95F32}" dt="2024-06-19T05:31:42.794" v="132" actId="1076"/>
+        <pc:sldMkLst>
+          <pc:docMk/>
+          <pc:sldMk cId="3158829965" sldId="273"/>
+        </pc:sldMkLst>
+        <pc:spChg chg="mod">
+          <ac:chgData name="Legenjovic' David" userId="f158eaf0-1167-473c-b884-84aa6febda82" providerId="ADAL" clId="{35337DEC-A6CB-4A28-BA57-45C271C95F32}" dt="2024-06-19T05:30:02.037" v="110" actId="20577"/>
+          <ac:spMkLst>
+            <pc:docMk/>
+            <pc:sldMk cId="3158829965" sldId="273"/>
+            <ac:spMk id="2" creationId="{FDA4D8C8-0FC8-2425-A8F0-6E64AA5EA738}"/>
+          </ac:spMkLst>
+        </pc:spChg>
+        <pc:spChg chg="del">
+          <ac:chgData name="Legenjovic' David" userId="f158eaf0-1167-473c-b884-84aa6febda82" providerId="ADAL" clId="{35337DEC-A6CB-4A28-BA57-45C271C95F32}" dt="2024-06-19T05:31:28.810" v="128" actId="478"/>
+          <ac:spMkLst>
+            <pc:docMk/>
+            <pc:sldMk cId="3158829965" sldId="273"/>
+            <ac:spMk id="3" creationId="{D3356F91-E394-5A69-E216-DA71BFC1C199}"/>
+          </ac:spMkLst>
+        </pc:spChg>
+        <pc:graphicFrameChg chg="add mod modGraphic">
+          <ac:chgData name="Legenjovic' David" userId="f158eaf0-1167-473c-b884-84aa6febda82" providerId="ADAL" clId="{35337DEC-A6CB-4A28-BA57-45C271C95F32}" dt="2024-06-19T05:31:42.794" v="132" actId="1076"/>
+          <ac:graphicFrameMkLst>
+            <pc:docMk/>
+            <pc:sldMk cId="3158829965" sldId="273"/>
+            <ac:graphicFrameMk id="4" creationId="{22556162-B1DA-5BBD-505F-47766C4593FD}"/>
+          </ac:graphicFrameMkLst>
+        </pc:graphicFrameChg>
+      </pc:sldChg>
+      <pc:sldChg chg="addSp delSp modSp add mod">
+        <pc:chgData name="Legenjovic' David" userId="f158eaf0-1167-473c-b884-84aa6febda82" providerId="ADAL" clId="{35337DEC-A6CB-4A28-BA57-45C271C95F32}" dt="2024-06-19T05:32:20.745" v="141" actId="1076"/>
+        <pc:sldMkLst>
+          <pc:docMk/>
+          <pc:sldMk cId="2910062904" sldId="274"/>
+        </pc:sldMkLst>
+        <pc:spChg chg="mod">
+          <ac:chgData name="Legenjovic' David" userId="f158eaf0-1167-473c-b884-84aa6febda82" providerId="ADAL" clId="{35337DEC-A6CB-4A28-BA57-45C271C95F32}" dt="2024-06-19T05:30:04.848" v="112" actId="20577"/>
+          <ac:spMkLst>
+            <pc:docMk/>
+            <pc:sldMk cId="2910062904" sldId="274"/>
+            <ac:spMk id="2" creationId="{FDA4D8C8-0FC8-2425-A8F0-6E64AA5EA738}"/>
+          </ac:spMkLst>
+        </pc:spChg>
+        <pc:spChg chg="del">
+          <ac:chgData name="Legenjovic' David" userId="f158eaf0-1167-473c-b884-84aa6febda82" providerId="ADAL" clId="{35337DEC-A6CB-4A28-BA57-45C271C95F32}" dt="2024-06-19T05:32:12.027" v="138" actId="478"/>
+          <ac:spMkLst>
+            <pc:docMk/>
+            <pc:sldMk cId="2910062904" sldId="274"/>
+            <ac:spMk id="3" creationId="{D3356F91-E394-5A69-E216-DA71BFC1C199}"/>
+          </ac:spMkLst>
+        </pc:spChg>
+        <pc:graphicFrameChg chg="add mod modGraphic">
+          <ac:chgData name="Legenjovic' David" userId="f158eaf0-1167-473c-b884-84aa6febda82" providerId="ADAL" clId="{35337DEC-A6CB-4A28-BA57-45C271C95F32}" dt="2024-06-19T05:32:20.745" v="141" actId="1076"/>
+          <ac:graphicFrameMkLst>
+            <pc:docMk/>
+            <pc:sldMk cId="2910062904" sldId="274"/>
+            <ac:graphicFrameMk id="4" creationId="{B2386508-A068-6AC1-0662-EBCB778DBFCD}"/>
+          </ac:graphicFrameMkLst>
+        </pc:graphicFrameChg>
+      </pc:sldChg>
+      <pc:sldChg chg="addSp delSp modSp new mod">
+        <pc:chgData name="Legenjovic' David" userId="f158eaf0-1167-473c-b884-84aa6febda82" providerId="ADAL" clId="{35337DEC-A6CB-4A28-BA57-45C271C95F32}" dt="2024-06-19T05:31:11.003" v="127" actId="20577"/>
+        <pc:sldMkLst>
+          <pc:docMk/>
+          <pc:sldMk cId="26891339" sldId="275"/>
+        </pc:sldMkLst>
+        <pc:spChg chg="del">
+          <ac:chgData name="Legenjovic' David" userId="f158eaf0-1167-473c-b884-84aa6febda82" providerId="ADAL" clId="{35337DEC-A6CB-4A28-BA57-45C271C95F32}" dt="2024-06-19T05:31:04.080" v="125" actId="478"/>
+          <ac:spMkLst>
+            <pc:docMk/>
+            <pc:sldMk cId="26891339" sldId="275"/>
+            <ac:spMk id="3" creationId="{ECB51A6E-E707-6436-0D30-FDD14771F924}"/>
+          </ac:spMkLst>
+        </pc:spChg>
+        <pc:spChg chg="add mod">
+          <ac:chgData name="Legenjovic' David" userId="f158eaf0-1167-473c-b884-84aa6febda82" providerId="ADAL" clId="{35337DEC-A6CB-4A28-BA57-45C271C95F32}" dt="2024-06-19T05:31:11.003" v="127" actId="20577"/>
+          <ac:spMkLst>
+            <pc:docMk/>
+            <pc:sldMk cId="26891339" sldId="275"/>
+            <ac:spMk id="4" creationId="{E5040485-7734-CB26-41AD-D60743DEB8F6}"/>
+          </ac:spMkLst>
+        </pc:spChg>
+        <pc:graphicFrameChg chg="add mod">
+          <ac:chgData name="Legenjovic' David" userId="f158eaf0-1167-473c-b884-84aa6febda82" providerId="ADAL" clId="{35337DEC-A6CB-4A28-BA57-45C271C95F32}" dt="2024-06-19T05:31:08.706" v="126" actId="1076"/>
+          <ac:graphicFrameMkLst>
+            <pc:docMk/>
+            <pc:sldMk cId="26891339" sldId="275"/>
+            <ac:graphicFrameMk id="5" creationId="{734D5E53-2418-EDD4-B479-052CDC1FFDE6}"/>
+          </ac:graphicFrameMkLst>
+        </pc:graphicFrameChg>
+      </pc:sldChg>
+      <pc:sldChg chg="addSp delSp modSp new mod">
+        <pc:chgData name="Legenjovic' David" userId="f158eaf0-1167-473c-b884-84aa6febda82" providerId="ADAL" clId="{35337DEC-A6CB-4A28-BA57-45C271C95F32}" dt="2024-06-19T05:31:57.926" v="137" actId="20577"/>
+        <pc:sldMkLst>
+          <pc:docMk/>
+          <pc:sldMk cId="78725905" sldId="276"/>
+        </pc:sldMkLst>
+        <pc:spChg chg="del">
+          <ac:chgData name="Legenjovic' David" userId="f158eaf0-1167-473c-b884-84aa6febda82" providerId="ADAL" clId="{35337DEC-A6CB-4A28-BA57-45C271C95F32}" dt="2024-06-19T05:31:52.222" v="134" actId="478"/>
+          <ac:spMkLst>
+            <pc:docMk/>
+            <pc:sldMk cId="78725905" sldId="276"/>
+            <ac:spMk id="3" creationId="{A3C747DB-7912-7173-9748-AB88912D6AB2}"/>
+          </ac:spMkLst>
+        </pc:spChg>
+        <pc:spChg chg="add mod">
+          <ac:chgData name="Legenjovic' David" userId="f158eaf0-1167-473c-b884-84aa6febda82" providerId="ADAL" clId="{35337DEC-A6CB-4A28-BA57-45C271C95F32}" dt="2024-06-19T05:31:57.926" v="137" actId="20577"/>
+          <ac:spMkLst>
+            <pc:docMk/>
+            <pc:sldMk cId="78725905" sldId="276"/>
+            <ac:spMk id="4" creationId="{17D3E90C-B963-9C69-A758-95D791E5430E}"/>
+          </ac:spMkLst>
+        </pc:spChg>
+        <pc:graphicFrameChg chg="add mod">
+          <ac:chgData name="Legenjovic' David" userId="f158eaf0-1167-473c-b884-84aa6febda82" providerId="ADAL" clId="{35337DEC-A6CB-4A28-BA57-45C271C95F32}" dt="2024-06-19T05:31:56.408" v="136" actId="1076"/>
+          <ac:graphicFrameMkLst>
+            <pc:docMk/>
+            <pc:sldMk cId="78725905" sldId="276"/>
+            <ac:graphicFrameMk id="5" creationId="{E2D32ACE-C891-635A-3587-B888C0A17067}"/>
+          </ac:graphicFrameMkLst>
+        </pc:graphicFrameChg>
+      </pc:sldChg>
+      <pc:sldChg chg="addSp delSp modSp new mod">
+        <pc:chgData name="Legenjovic' David" userId="f158eaf0-1167-473c-b884-84aa6febda82" providerId="ADAL" clId="{35337DEC-A6CB-4A28-BA57-45C271C95F32}" dt="2024-06-19T05:32:51.092" v="148" actId="20577"/>
+        <pc:sldMkLst>
+          <pc:docMk/>
+          <pc:sldMk cId="3902690950" sldId="277"/>
+        </pc:sldMkLst>
+        <pc:spChg chg="del">
+          <ac:chgData name="Legenjovic' David" userId="f158eaf0-1167-473c-b884-84aa6febda82" providerId="ADAL" clId="{35337DEC-A6CB-4A28-BA57-45C271C95F32}" dt="2024-06-19T05:32:29.212" v="143" actId="478"/>
+          <ac:spMkLst>
+            <pc:docMk/>
+            <pc:sldMk cId="3902690950" sldId="277"/>
+            <ac:spMk id="3" creationId="{FE05696A-B164-35CA-4C32-D6E8DF83AB9C}"/>
+          </ac:spMkLst>
+        </pc:spChg>
+        <pc:spChg chg="add mod">
+          <ac:chgData name="Legenjovic' David" userId="f158eaf0-1167-473c-b884-84aa6febda82" providerId="ADAL" clId="{35337DEC-A6CB-4A28-BA57-45C271C95F32}" dt="2024-06-19T05:32:51.092" v="148" actId="20577"/>
+          <ac:spMkLst>
+            <pc:docMk/>
+            <pc:sldMk cId="3902690950" sldId="277"/>
+            <ac:spMk id="4" creationId="{880C4225-F690-C26F-EF93-95DA2872CCE6}"/>
+          </ac:spMkLst>
+        </pc:spChg>
+        <pc:graphicFrameChg chg="add mod">
+          <ac:chgData name="Legenjovic' David" userId="f158eaf0-1167-473c-b884-84aa6febda82" providerId="ADAL" clId="{35337DEC-A6CB-4A28-BA57-45C271C95F32}" dt="2024-06-19T05:32:33.916" v="145" actId="1076"/>
+          <ac:graphicFrameMkLst>
+            <pc:docMk/>
+            <pc:sldMk cId="3902690950" sldId="277"/>
+            <ac:graphicFrameMk id="5" creationId="{AD16D6A3-B166-0BDC-F1E2-E31208225568}"/>
+          </ac:graphicFrameMkLst>
+        </pc:graphicFrameChg>
+      </pc:sldChg>
     </pc:docChg>
   </pc:docChgLst>
   <pc:docChgLst>
@@ -1377,426 +1801,6 @@
             <ac:spMk id="3" creationId="{8AD10E6C-E7F6-E71A-3092-A12C710ADE22}"/>
           </ac:spMkLst>
         </pc:spChg>
-      </pc:sldChg>
-    </pc:docChg>
-  </pc:docChgLst>
-  <pc:docChgLst>
-    <pc:chgData name="Legenjovic' David" userId="f158eaf0-1167-473c-b884-84aa6febda82" providerId="ADAL" clId="{35337DEC-A6CB-4A28-BA57-45C271C95F32}"/>
-    <pc:docChg chg="undo custSel addSld modSld sldOrd">
-      <pc:chgData name="Legenjovic' David" userId="f158eaf0-1167-473c-b884-84aa6febda82" providerId="ADAL" clId="{35337DEC-A6CB-4A28-BA57-45C271C95F32}" dt="2024-06-19T05:35:18.779" v="151" actId="20577"/>
-      <pc:docMkLst>
-        <pc:docMk/>
-      </pc:docMkLst>
-      <pc:sldChg chg="modSp mod">
-        <pc:chgData name="Legenjovic' David" userId="f158eaf0-1167-473c-b884-84aa6febda82" providerId="ADAL" clId="{35337DEC-A6CB-4A28-BA57-45C271C95F32}" dt="2024-06-12T05:51:53.263" v="58" actId="20577"/>
-        <pc:sldMkLst>
-          <pc:docMk/>
-          <pc:sldMk cId="3365849256" sldId="258"/>
-        </pc:sldMkLst>
-        <pc:spChg chg="mod">
-          <ac:chgData name="Legenjovic' David" userId="f158eaf0-1167-473c-b884-84aa6febda82" providerId="ADAL" clId="{35337DEC-A6CB-4A28-BA57-45C271C95F32}" dt="2024-06-12T05:51:53.263" v="58" actId="20577"/>
-          <ac:spMkLst>
-            <pc:docMk/>
-            <pc:sldMk cId="3365849256" sldId="258"/>
-            <ac:spMk id="3" creationId="{4C3FD88B-B422-ABCE-FD85-A6850BA10830}"/>
-          </ac:spMkLst>
-        </pc:spChg>
-      </pc:sldChg>
-      <pc:sldChg chg="modSp mod">
-        <pc:chgData name="Legenjovic' David" userId="f158eaf0-1167-473c-b884-84aa6febda82" providerId="ADAL" clId="{35337DEC-A6CB-4A28-BA57-45C271C95F32}" dt="2024-06-19T05:35:11.395" v="149" actId="20577"/>
-        <pc:sldMkLst>
-          <pc:docMk/>
-          <pc:sldMk cId="1111578347" sldId="261"/>
-        </pc:sldMkLst>
-        <pc:spChg chg="mod">
-          <ac:chgData name="Legenjovic' David" userId="f158eaf0-1167-473c-b884-84aa6febda82" providerId="ADAL" clId="{35337DEC-A6CB-4A28-BA57-45C271C95F32}" dt="2024-06-19T05:35:11.395" v="149" actId="20577"/>
-          <ac:spMkLst>
-            <pc:docMk/>
-            <pc:sldMk cId="1111578347" sldId="261"/>
-            <ac:spMk id="3" creationId="{4F657958-519A-73E4-02A7-5A766F695802}"/>
-          </ac:spMkLst>
-        </pc:spChg>
-      </pc:sldChg>
-      <pc:sldChg chg="addSp delSp modSp new mod">
-        <pc:chgData name="Legenjovic' David" userId="f158eaf0-1167-473c-b884-84aa6febda82" providerId="ADAL" clId="{35337DEC-A6CB-4A28-BA57-45C271C95F32}" dt="2024-06-18T13:27:07.676" v="67" actId="14100"/>
-        <pc:sldMkLst>
-          <pc:docMk/>
-          <pc:sldMk cId="3213108391" sldId="264"/>
-        </pc:sldMkLst>
-        <pc:spChg chg="mod">
-          <ac:chgData name="Legenjovic' David" userId="f158eaf0-1167-473c-b884-84aa6febda82" providerId="ADAL" clId="{35337DEC-A6CB-4A28-BA57-45C271C95F32}" dt="2024-06-18T13:26:55.622" v="64" actId="26606"/>
-          <ac:spMkLst>
-            <pc:docMk/>
-            <pc:sldMk cId="3213108391" sldId="264"/>
-            <ac:spMk id="2" creationId="{C187B6FD-23D6-A736-A3EB-8884DE82658E}"/>
-          </ac:spMkLst>
-        </pc:spChg>
-        <pc:spChg chg="del">
-          <ac:chgData name="Legenjovic' David" userId="f158eaf0-1167-473c-b884-84aa6febda82" providerId="ADAL" clId="{35337DEC-A6CB-4A28-BA57-45C271C95F32}" dt="2024-06-18T13:26:55.622" v="64" actId="26606"/>
-          <ac:spMkLst>
-            <pc:docMk/>
-            <pc:sldMk cId="3213108391" sldId="264"/>
-            <ac:spMk id="9" creationId="{A414F261-E931-45CB-8605-20FFD6826336}"/>
-          </ac:spMkLst>
-        </pc:spChg>
-        <pc:spChg chg="add">
-          <ac:chgData name="Legenjovic' David" userId="f158eaf0-1167-473c-b884-84aa6febda82" providerId="ADAL" clId="{35337DEC-A6CB-4A28-BA57-45C271C95F32}" dt="2024-06-18T13:26:55.622" v="64" actId="26606"/>
-          <ac:spMkLst>
-            <pc:docMk/>
-            <pc:sldMk cId="3213108391" sldId="264"/>
-            <ac:spMk id="18" creationId="{A8384FB5-9ADC-4DDC-881B-597D56F5B15D}"/>
-          </ac:spMkLst>
-        </pc:spChg>
-        <pc:spChg chg="add">
-          <ac:chgData name="Legenjovic' David" userId="f158eaf0-1167-473c-b884-84aa6febda82" providerId="ADAL" clId="{35337DEC-A6CB-4A28-BA57-45C271C95F32}" dt="2024-06-18T13:26:55.622" v="64" actId="26606"/>
-          <ac:spMkLst>
-            <pc:docMk/>
-            <pc:sldMk cId="3213108391" sldId="264"/>
-            <ac:spMk id="20" creationId="{91E5A9A7-95C6-4F4F-B00E-C82E07FE62EF}"/>
-          </ac:spMkLst>
-        </pc:spChg>
-        <pc:spChg chg="add">
-          <ac:chgData name="Legenjovic' David" userId="f158eaf0-1167-473c-b884-84aa6febda82" providerId="ADAL" clId="{35337DEC-A6CB-4A28-BA57-45C271C95F32}" dt="2024-06-18T13:26:55.622" v="64" actId="26606"/>
-          <ac:spMkLst>
-            <pc:docMk/>
-            <pc:sldMk cId="3213108391" sldId="264"/>
-            <ac:spMk id="22" creationId="{D07DD2DE-F619-49DD-B5E7-03A290FF4ED1}"/>
-          </ac:spMkLst>
-        </pc:spChg>
-        <pc:spChg chg="add">
-          <ac:chgData name="Legenjovic' David" userId="f158eaf0-1167-473c-b884-84aa6febda82" providerId="ADAL" clId="{35337DEC-A6CB-4A28-BA57-45C271C95F32}" dt="2024-06-18T13:26:55.622" v="64" actId="26606"/>
-          <ac:spMkLst>
-            <pc:docMk/>
-            <pc:sldMk cId="3213108391" sldId="264"/>
-            <ac:spMk id="24" creationId="{85149191-5F60-4A28-AAFF-039F96B0F3EC}"/>
-          </ac:spMkLst>
-        </pc:spChg>
-        <pc:spChg chg="add">
-          <ac:chgData name="Legenjovic' David" userId="f158eaf0-1167-473c-b884-84aa6febda82" providerId="ADAL" clId="{35337DEC-A6CB-4A28-BA57-45C271C95F32}" dt="2024-06-18T13:26:55.622" v="64" actId="26606"/>
-          <ac:spMkLst>
-            <pc:docMk/>
-            <pc:sldMk cId="3213108391" sldId="264"/>
-            <ac:spMk id="26" creationId="{F8260ED5-17F7-4158-B241-D51DD4CF1B7E}"/>
-          </ac:spMkLst>
-        </pc:spChg>
-        <pc:picChg chg="add mod">
-          <ac:chgData name="Legenjovic' David" userId="f158eaf0-1167-473c-b884-84aa6febda82" providerId="ADAL" clId="{35337DEC-A6CB-4A28-BA57-45C271C95F32}" dt="2024-06-18T13:27:07.676" v="67" actId="14100"/>
-          <ac:picMkLst>
-            <pc:docMk/>
-            <pc:sldMk cId="3213108391" sldId="264"/>
-            <ac:picMk id="4" creationId="{CD31162B-CEF8-622D-D526-EB40DEB4A224}"/>
-          </ac:picMkLst>
-        </pc:picChg>
-        <pc:picChg chg="del">
-          <ac:chgData name="Legenjovic' David" userId="f158eaf0-1167-473c-b884-84aa6febda82" providerId="ADAL" clId="{35337DEC-A6CB-4A28-BA57-45C271C95F32}" dt="2024-06-18T13:26:45.857" v="59" actId="478"/>
-          <ac:picMkLst>
-            <pc:docMk/>
-            <pc:sldMk cId="3213108391" sldId="264"/>
-            <ac:picMk id="5" creationId="{8A256A9A-82D7-842C-C828-DBF47C92BC27}"/>
-          </ac:picMkLst>
-        </pc:picChg>
-        <pc:cxnChg chg="del">
-          <ac:chgData name="Legenjovic' David" userId="f158eaf0-1167-473c-b884-84aa6febda82" providerId="ADAL" clId="{35337DEC-A6CB-4A28-BA57-45C271C95F32}" dt="2024-06-18T13:26:55.622" v="64" actId="26606"/>
-          <ac:cxnSpMkLst>
-            <pc:docMk/>
-            <pc:sldMk cId="3213108391" sldId="264"/>
-            <ac:cxnSpMk id="11" creationId="{B63CF8AD-BB19-4F90-BDE5-B3B3F56F4E4A}"/>
-          </ac:cxnSpMkLst>
-        </pc:cxnChg>
-        <pc:cxnChg chg="del">
-          <ac:chgData name="Legenjovic' David" userId="f158eaf0-1167-473c-b884-84aa6febda82" providerId="ADAL" clId="{35337DEC-A6CB-4A28-BA57-45C271C95F32}" dt="2024-06-18T13:26:55.622" v="64" actId="26606"/>
-          <ac:cxnSpMkLst>
-            <pc:docMk/>
-            <pc:sldMk cId="3213108391" sldId="264"/>
-            <ac:cxnSpMk id="13" creationId="{224E62CA-FAA3-4628-AEF3-5033C771498B}"/>
-          </ac:cxnSpMkLst>
-        </pc:cxnChg>
-      </pc:sldChg>
-      <pc:sldChg chg="modSp mod">
-        <pc:chgData name="Legenjovic' David" userId="f158eaf0-1167-473c-b884-84aa6febda82" providerId="ADAL" clId="{35337DEC-A6CB-4A28-BA57-45C271C95F32}" dt="2024-06-19T05:35:18.779" v="151" actId="20577"/>
-        <pc:sldMkLst>
-          <pc:docMk/>
-          <pc:sldMk cId="3809562366" sldId="266"/>
-        </pc:sldMkLst>
-        <pc:spChg chg="mod">
-          <ac:chgData name="Legenjovic' David" userId="f158eaf0-1167-473c-b884-84aa6febda82" providerId="ADAL" clId="{35337DEC-A6CB-4A28-BA57-45C271C95F32}" dt="2024-06-19T05:35:18.779" v="151" actId="20577"/>
-          <ac:spMkLst>
-            <pc:docMk/>
-            <pc:sldMk cId="3809562366" sldId="266"/>
-            <ac:spMk id="2" creationId="{01F03A4B-1EED-1B22-7CE2-09EAACB7EC3D}"/>
-          </ac:spMkLst>
-        </pc:spChg>
-      </pc:sldChg>
-      <pc:sldChg chg="modSp mod">
-        <pc:chgData name="Legenjovic' David" userId="f158eaf0-1167-473c-b884-84aa6febda82" providerId="ADAL" clId="{35337DEC-A6CB-4A28-BA57-45C271C95F32}" dt="2024-06-19T05:30:23.181" v="115" actId="20577"/>
-        <pc:sldMkLst>
-          <pc:docMk/>
-          <pc:sldMk cId="3513526375" sldId="268"/>
-        </pc:sldMkLst>
-        <pc:spChg chg="mod">
-          <ac:chgData name="Legenjovic' David" userId="f158eaf0-1167-473c-b884-84aa6febda82" providerId="ADAL" clId="{35337DEC-A6CB-4A28-BA57-45C271C95F32}" dt="2024-06-19T05:30:23.181" v="115" actId="20577"/>
-          <ac:spMkLst>
-            <pc:docMk/>
-            <pc:sldMk cId="3513526375" sldId="268"/>
-            <ac:spMk id="3" creationId="{15B45B72-1217-86A7-A3DE-FAA6E467E215}"/>
-          </ac:spMkLst>
-        </pc:spChg>
-      </pc:sldChg>
-      <pc:sldChg chg="addSp delSp modSp new mod ord">
-        <pc:chgData name="Legenjovic' David" userId="f158eaf0-1167-473c-b884-84aa6febda82" providerId="ADAL" clId="{35337DEC-A6CB-4A28-BA57-45C271C95F32}" dt="2024-06-19T05:30:29.997" v="119" actId="27309"/>
-        <pc:sldMkLst>
-          <pc:docMk/>
-          <pc:sldMk cId="4064993527" sldId="270"/>
-        </pc:sldMkLst>
-        <pc:spChg chg="mod">
-          <ac:chgData name="Legenjovic' David" userId="f158eaf0-1167-473c-b884-84aa6febda82" providerId="ADAL" clId="{35337DEC-A6CB-4A28-BA57-45C271C95F32}" dt="2024-06-19T05:28:18.654" v="76" actId="20577"/>
-          <ac:spMkLst>
-            <pc:docMk/>
-            <pc:sldMk cId="4064993527" sldId="270"/>
-            <ac:spMk id="2" creationId="{13D71493-C590-F7D9-4899-F7C946DF8C83}"/>
-          </ac:spMkLst>
-        </pc:spChg>
-        <pc:spChg chg="del mod">
-          <ac:chgData name="Legenjovic' David" userId="f158eaf0-1167-473c-b884-84aa6febda82" providerId="ADAL" clId="{35337DEC-A6CB-4A28-BA57-45C271C95F32}" dt="2024-06-19T05:28:24.855" v="81" actId="478"/>
-          <ac:spMkLst>
-            <pc:docMk/>
-            <pc:sldMk cId="4064993527" sldId="270"/>
-            <ac:spMk id="3" creationId="{131224FF-C8BE-7B38-3908-ADCB5889ACE0}"/>
-          </ac:spMkLst>
-        </pc:spChg>
-        <pc:graphicFrameChg chg="add mod modGraphic">
-          <ac:chgData name="Legenjovic' David" userId="f158eaf0-1167-473c-b884-84aa6febda82" providerId="ADAL" clId="{35337DEC-A6CB-4A28-BA57-45C271C95F32}" dt="2024-06-19T05:29:09.967" v="89" actId="1076"/>
-          <ac:graphicFrameMkLst>
-            <pc:docMk/>
-            <pc:sldMk cId="4064993527" sldId="270"/>
-            <ac:graphicFrameMk id="4" creationId="{99935C3F-0503-ABA5-8719-322A83606B5F}"/>
-          </ac:graphicFrameMkLst>
-        </pc:graphicFrameChg>
-        <pc:graphicFrameChg chg="add del modGraphic">
-          <ac:chgData name="Legenjovic' David" userId="f158eaf0-1167-473c-b884-84aa6febda82" providerId="ADAL" clId="{35337DEC-A6CB-4A28-BA57-45C271C95F32}" dt="2024-06-19T05:30:29.997" v="119" actId="27309"/>
-          <ac:graphicFrameMkLst>
-            <pc:docMk/>
-            <pc:sldMk cId="4064993527" sldId="270"/>
-            <ac:graphicFrameMk id="6" creationId="{AC9E9E5A-945A-46B0-D037-2F6629247439}"/>
-          </ac:graphicFrameMkLst>
-        </pc:graphicFrameChg>
-      </pc:sldChg>
-      <pc:sldChg chg="addSp delSp modSp new mod">
-        <pc:chgData name="Legenjovic' David" userId="f158eaf0-1167-473c-b884-84aa6febda82" providerId="ADAL" clId="{35337DEC-A6CB-4A28-BA57-45C271C95F32}" dt="2024-06-19T05:29:50.318" v="95" actId="20577"/>
-        <pc:sldMkLst>
-          <pc:docMk/>
-          <pc:sldMk cId="2079529353" sldId="271"/>
-        </pc:sldMkLst>
-        <pc:spChg chg="del">
-          <ac:chgData name="Legenjovic' David" userId="f158eaf0-1167-473c-b884-84aa6febda82" providerId="ADAL" clId="{35337DEC-A6CB-4A28-BA57-45C271C95F32}" dt="2024-06-19T05:29:27.206" v="92" actId="478"/>
-          <ac:spMkLst>
-            <pc:docMk/>
-            <pc:sldMk cId="2079529353" sldId="271"/>
-            <ac:spMk id="3" creationId="{0C9DF358-79DA-D812-6AA6-3BDAA184E054}"/>
-          </ac:spMkLst>
-        </pc:spChg>
-        <pc:spChg chg="add mod">
-          <ac:chgData name="Legenjovic' David" userId="f158eaf0-1167-473c-b884-84aa6febda82" providerId="ADAL" clId="{35337DEC-A6CB-4A28-BA57-45C271C95F32}" dt="2024-06-19T05:29:50.318" v="95" actId="20577"/>
-          <ac:spMkLst>
-            <pc:docMk/>
-            <pc:sldMk cId="2079529353" sldId="271"/>
-            <ac:spMk id="4" creationId="{E501C573-7D46-DCF5-EC41-7C6D8BFEFA87}"/>
-          </ac:spMkLst>
-        </pc:spChg>
-        <pc:graphicFrameChg chg="add mod">
-          <ac:chgData name="Legenjovic' David" userId="f158eaf0-1167-473c-b884-84aa6febda82" providerId="ADAL" clId="{35337DEC-A6CB-4A28-BA57-45C271C95F32}" dt="2024-06-19T05:29:35.011" v="93" actId="1076"/>
-          <ac:graphicFrameMkLst>
-            <pc:docMk/>
-            <pc:sldMk cId="2079529353" sldId="271"/>
-            <ac:graphicFrameMk id="5" creationId="{96E663A9-1B2B-62AA-FC38-8F4B04E43A49}"/>
-          </ac:graphicFrameMkLst>
-        </pc:graphicFrameChg>
-      </pc:sldChg>
-      <pc:sldChg chg="addSp delSp modSp new mod">
-        <pc:chgData name="Legenjovic' David" userId="f158eaf0-1167-473c-b884-84aa6febda82" providerId="ADAL" clId="{35337DEC-A6CB-4A28-BA57-45C271C95F32}" dt="2024-06-19T05:30:53.600" v="122" actId="1076"/>
-        <pc:sldMkLst>
-          <pc:docMk/>
-          <pc:sldMk cId="3109046620" sldId="272"/>
-        </pc:sldMkLst>
-        <pc:spChg chg="mod">
-          <ac:chgData name="Legenjovic' David" userId="f158eaf0-1167-473c-b884-84aa6febda82" providerId="ADAL" clId="{35337DEC-A6CB-4A28-BA57-45C271C95F32}" dt="2024-06-19T05:29:55.912" v="104" actId="20577"/>
-          <ac:spMkLst>
-            <pc:docMk/>
-            <pc:sldMk cId="3109046620" sldId="272"/>
-            <ac:spMk id="2" creationId="{FDA4D8C8-0FC8-2425-A8F0-6E64AA5EA738}"/>
-          </ac:spMkLst>
-        </pc:spChg>
-        <pc:spChg chg="del">
-          <ac:chgData name="Legenjovic' David" userId="f158eaf0-1167-473c-b884-84aa6febda82" providerId="ADAL" clId="{35337DEC-A6CB-4A28-BA57-45C271C95F32}" dt="2024-06-19T05:30:49.165" v="120" actId="478"/>
-          <ac:spMkLst>
-            <pc:docMk/>
-            <pc:sldMk cId="3109046620" sldId="272"/>
-            <ac:spMk id="3" creationId="{D3356F91-E394-5A69-E216-DA71BFC1C199}"/>
-          </ac:spMkLst>
-        </pc:spChg>
-        <pc:graphicFrameChg chg="add mod">
-          <ac:chgData name="Legenjovic' David" userId="f158eaf0-1167-473c-b884-84aa6febda82" providerId="ADAL" clId="{35337DEC-A6CB-4A28-BA57-45C271C95F32}" dt="2024-06-19T05:30:53.600" v="122" actId="1076"/>
-          <ac:graphicFrameMkLst>
-            <pc:docMk/>
-            <pc:sldMk cId="3109046620" sldId="272"/>
-            <ac:graphicFrameMk id="4" creationId="{420B78FE-5F0E-44CA-04BD-2F85DE242779}"/>
-          </ac:graphicFrameMkLst>
-        </pc:graphicFrameChg>
-      </pc:sldChg>
-      <pc:sldChg chg="addSp delSp modSp add mod">
-        <pc:chgData name="Legenjovic' David" userId="f158eaf0-1167-473c-b884-84aa6febda82" providerId="ADAL" clId="{35337DEC-A6CB-4A28-BA57-45C271C95F32}" dt="2024-06-19T05:31:42.794" v="132" actId="1076"/>
-        <pc:sldMkLst>
-          <pc:docMk/>
-          <pc:sldMk cId="3158829965" sldId="273"/>
-        </pc:sldMkLst>
-        <pc:spChg chg="mod">
-          <ac:chgData name="Legenjovic' David" userId="f158eaf0-1167-473c-b884-84aa6febda82" providerId="ADAL" clId="{35337DEC-A6CB-4A28-BA57-45C271C95F32}" dt="2024-06-19T05:30:02.037" v="110" actId="20577"/>
-          <ac:spMkLst>
-            <pc:docMk/>
-            <pc:sldMk cId="3158829965" sldId="273"/>
-            <ac:spMk id="2" creationId="{FDA4D8C8-0FC8-2425-A8F0-6E64AA5EA738}"/>
-          </ac:spMkLst>
-        </pc:spChg>
-        <pc:spChg chg="del">
-          <ac:chgData name="Legenjovic' David" userId="f158eaf0-1167-473c-b884-84aa6febda82" providerId="ADAL" clId="{35337DEC-A6CB-4A28-BA57-45C271C95F32}" dt="2024-06-19T05:31:28.810" v="128" actId="478"/>
-          <ac:spMkLst>
-            <pc:docMk/>
-            <pc:sldMk cId="3158829965" sldId="273"/>
-            <ac:spMk id="3" creationId="{D3356F91-E394-5A69-E216-DA71BFC1C199}"/>
-          </ac:spMkLst>
-        </pc:spChg>
-        <pc:graphicFrameChg chg="add mod modGraphic">
-          <ac:chgData name="Legenjovic' David" userId="f158eaf0-1167-473c-b884-84aa6febda82" providerId="ADAL" clId="{35337DEC-A6CB-4A28-BA57-45C271C95F32}" dt="2024-06-19T05:31:42.794" v="132" actId="1076"/>
-          <ac:graphicFrameMkLst>
-            <pc:docMk/>
-            <pc:sldMk cId="3158829965" sldId="273"/>
-            <ac:graphicFrameMk id="4" creationId="{22556162-B1DA-5BBD-505F-47766C4593FD}"/>
-          </ac:graphicFrameMkLst>
-        </pc:graphicFrameChg>
-      </pc:sldChg>
-      <pc:sldChg chg="addSp delSp modSp add mod">
-        <pc:chgData name="Legenjovic' David" userId="f158eaf0-1167-473c-b884-84aa6febda82" providerId="ADAL" clId="{35337DEC-A6CB-4A28-BA57-45C271C95F32}" dt="2024-06-19T05:32:20.745" v="141" actId="1076"/>
-        <pc:sldMkLst>
-          <pc:docMk/>
-          <pc:sldMk cId="2910062904" sldId="274"/>
-        </pc:sldMkLst>
-        <pc:spChg chg="mod">
-          <ac:chgData name="Legenjovic' David" userId="f158eaf0-1167-473c-b884-84aa6febda82" providerId="ADAL" clId="{35337DEC-A6CB-4A28-BA57-45C271C95F32}" dt="2024-06-19T05:30:04.848" v="112" actId="20577"/>
-          <ac:spMkLst>
-            <pc:docMk/>
-            <pc:sldMk cId="2910062904" sldId="274"/>
-            <ac:spMk id="2" creationId="{FDA4D8C8-0FC8-2425-A8F0-6E64AA5EA738}"/>
-          </ac:spMkLst>
-        </pc:spChg>
-        <pc:spChg chg="del">
-          <ac:chgData name="Legenjovic' David" userId="f158eaf0-1167-473c-b884-84aa6febda82" providerId="ADAL" clId="{35337DEC-A6CB-4A28-BA57-45C271C95F32}" dt="2024-06-19T05:32:12.027" v="138" actId="478"/>
-          <ac:spMkLst>
-            <pc:docMk/>
-            <pc:sldMk cId="2910062904" sldId="274"/>
-            <ac:spMk id="3" creationId="{D3356F91-E394-5A69-E216-DA71BFC1C199}"/>
-          </ac:spMkLst>
-        </pc:spChg>
-        <pc:graphicFrameChg chg="add mod modGraphic">
-          <ac:chgData name="Legenjovic' David" userId="f158eaf0-1167-473c-b884-84aa6febda82" providerId="ADAL" clId="{35337DEC-A6CB-4A28-BA57-45C271C95F32}" dt="2024-06-19T05:32:20.745" v="141" actId="1076"/>
-          <ac:graphicFrameMkLst>
-            <pc:docMk/>
-            <pc:sldMk cId="2910062904" sldId="274"/>
-            <ac:graphicFrameMk id="4" creationId="{B2386508-A068-6AC1-0662-EBCB778DBFCD}"/>
-          </ac:graphicFrameMkLst>
-        </pc:graphicFrameChg>
-      </pc:sldChg>
-      <pc:sldChg chg="addSp delSp modSp new mod">
-        <pc:chgData name="Legenjovic' David" userId="f158eaf0-1167-473c-b884-84aa6febda82" providerId="ADAL" clId="{35337DEC-A6CB-4A28-BA57-45C271C95F32}" dt="2024-06-19T05:31:11.003" v="127" actId="20577"/>
-        <pc:sldMkLst>
-          <pc:docMk/>
-          <pc:sldMk cId="26891339" sldId="275"/>
-        </pc:sldMkLst>
-        <pc:spChg chg="del">
-          <ac:chgData name="Legenjovic' David" userId="f158eaf0-1167-473c-b884-84aa6febda82" providerId="ADAL" clId="{35337DEC-A6CB-4A28-BA57-45C271C95F32}" dt="2024-06-19T05:31:04.080" v="125" actId="478"/>
-          <ac:spMkLst>
-            <pc:docMk/>
-            <pc:sldMk cId="26891339" sldId="275"/>
-            <ac:spMk id="3" creationId="{ECB51A6E-E707-6436-0D30-FDD14771F924}"/>
-          </ac:spMkLst>
-        </pc:spChg>
-        <pc:spChg chg="add mod">
-          <ac:chgData name="Legenjovic' David" userId="f158eaf0-1167-473c-b884-84aa6febda82" providerId="ADAL" clId="{35337DEC-A6CB-4A28-BA57-45C271C95F32}" dt="2024-06-19T05:31:11.003" v="127" actId="20577"/>
-          <ac:spMkLst>
-            <pc:docMk/>
-            <pc:sldMk cId="26891339" sldId="275"/>
-            <ac:spMk id="4" creationId="{E5040485-7734-CB26-41AD-D60743DEB8F6}"/>
-          </ac:spMkLst>
-        </pc:spChg>
-        <pc:graphicFrameChg chg="add mod">
-          <ac:chgData name="Legenjovic' David" userId="f158eaf0-1167-473c-b884-84aa6febda82" providerId="ADAL" clId="{35337DEC-A6CB-4A28-BA57-45C271C95F32}" dt="2024-06-19T05:31:08.706" v="126" actId="1076"/>
-          <ac:graphicFrameMkLst>
-            <pc:docMk/>
-            <pc:sldMk cId="26891339" sldId="275"/>
-            <ac:graphicFrameMk id="5" creationId="{734D5E53-2418-EDD4-B479-052CDC1FFDE6}"/>
-          </ac:graphicFrameMkLst>
-        </pc:graphicFrameChg>
-      </pc:sldChg>
-      <pc:sldChg chg="addSp delSp modSp new mod">
-        <pc:chgData name="Legenjovic' David" userId="f158eaf0-1167-473c-b884-84aa6febda82" providerId="ADAL" clId="{35337DEC-A6CB-4A28-BA57-45C271C95F32}" dt="2024-06-19T05:31:57.926" v="137" actId="20577"/>
-        <pc:sldMkLst>
-          <pc:docMk/>
-          <pc:sldMk cId="78725905" sldId="276"/>
-        </pc:sldMkLst>
-        <pc:spChg chg="del">
-          <ac:chgData name="Legenjovic' David" userId="f158eaf0-1167-473c-b884-84aa6febda82" providerId="ADAL" clId="{35337DEC-A6CB-4A28-BA57-45C271C95F32}" dt="2024-06-19T05:31:52.222" v="134" actId="478"/>
-          <ac:spMkLst>
-            <pc:docMk/>
-            <pc:sldMk cId="78725905" sldId="276"/>
-            <ac:spMk id="3" creationId="{A3C747DB-7912-7173-9748-AB88912D6AB2}"/>
-          </ac:spMkLst>
-        </pc:spChg>
-        <pc:spChg chg="add mod">
-          <ac:chgData name="Legenjovic' David" userId="f158eaf0-1167-473c-b884-84aa6febda82" providerId="ADAL" clId="{35337DEC-A6CB-4A28-BA57-45C271C95F32}" dt="2024-06-19T05:31:57.926" v="137" actId="20577"/>
-          <ac:spMkLst>
-            <pc:docMk/>
-            <pc:sldMk cId="78725905" sldId="276"/>
-            <ac:spMk id="4" creationId="{17D3E90C-B963-9C69-A758-95D791E5430E}"/>
-          </ac:spMkLst>
-        </pc:spChg>
-        <pc:graphicFrameChg chg="add mod">
-          <ac:chgData name="Legenjovic' David" userId="f158eaf0-1167-473c-b884-84aa6febda82" providerId="ADAL" clId="{35337DEC-A6CB-4A28-BA57-45C271C95F32}" dt="2024-06-19T05:31:56.408" v="136" actId="1076"/>
-          <ac:graphicFrameMkLst>
-            <pc:docMk/>
-            <pc:sldMk cId="78725905" sldId="276"/>
-            <ac:graphicFrameMk id="5" creationId="{E2D32ACE-C891-635A-3587-B888C0A17067}"/>
-          </ac:graphicFrameMkLst>
-        </pc:graphicFrameChg>
-      </pc:sldChg>
-      <pc:sldChg chg="addSp delSp modSp new mod">
-        <pc:chgData name="Legenjovic' David" userId="f158eaf0-1167-473c-b884-84aa6febda82" providerId="ADAL" clId="{35337DEC-A6CB-4A28-BA57-45C271C95F32}" dt="2024-06-19T05:32:51.092" v="148" actId="20577"/>
-        <pc:sldMkLst>
-          <pc:docMk/>
-          <pc:sldMk cId="3902690950" sldId="277"/>
-        </pc:sldMkLst>
-        <pc:spChg chg="del">
-          <ac:chgData name="Legenjovic' David" userId="f158eaf0-1167-473c-b884-84aa6febda82" providerId="ADAL" clId="{35337DEC-A6CB-4A28-BA57-45C271C95F32}" dt="2024-06-19T05:32:29.212" v="143" actId="478"/>
-          <ac:spMkLst>
-            <pc:docMk/>
-            <pc:sldMk cId="3902690950" sldId="277"/>
-            <ac:spMk id="3" creationId="{FE05696A-B164-35CA-4C32-D6E8DF83AB9C}"/>
-          </ac:spMkLst>
-        </pc:spChg>
-        <pc:spChg chg="add mod">
-          <ac:chgData name="Legenjovic' David" userId="f158eaf0-1167-473c-b884-84aa6febda82" providerId="ADAL" clId="{35337DEC-A6CB-4A28-BA57-45C271C95F32}" dt="2024-06-19T05:32:51.092" v="148" actId="20577"/>
-          <ac:spMkLst>
-            <pc:docMk/>
-            <pc:sldMk cId="3902690950" sldId="277"/>
-            <ac:spMk id="4" creationId="{880C4225-F690-C26F-EF93-95DA2872CCE6}"/>
-          </ac:spMkLst>
-        </pc:spChg>
-        <pc:graphicFrameChg chg="add mod">
-          <ac:chgData name="Legenjovic' David" userId="f158eaf0-1167-473c-b884-84aa6febda82" providerId="ADAL" clId="{35337DEC-A6CB-4A28-BA57-45C271C95F32}" dt="2024-06-19T05:32:33.916" v="145" actId="1076"/>
-          <ac:graphicFrameMkLst>
-            <pc:docMk/>
-            <pc:sldMk cId="3902690950" sldId="277"/>
-            <ac:graphicFrameMk id="5" creationId="{AD16D6A3-B166-0BDC-F1E2-E31208225568}"/>
-          </ac:graphicFrameMkLst>
-        </pc:graphicFrameChg>
       </pc:sldChg>
     </pc:docChg>
   </pc:docChgLst>
@@ -7489,6 +7493,440 @@
 </cs:chartStyle>
 </file>
 
+<file path=ppt/notesMasters/notesMaster1.xml><?xml version="1.0" encoding="utf-8"?>
+<p:notesMaster xmlns:a="http://schemas.openxmlformats.org/drawingml/2006/main" xmlns:r="http://schemas.openxmlformats.org/officeDocument/2006/relationships" xmlns:p="http://schemas.openxmlformats.org/presentationml/2006/main">
+  <p:cSld>
+    <p:bg>
+      <p:bgRef idx="1001">
+        <a:schemeClr val="bg1"/>
+      </p:bgRef>
+    </p:bg>
+    <p:spTree>
+      <p:nvGrpSpPr>
+        <p:cNvPr id="1" name=""/>
+        <p:cNvGrpSpPr/>
+        <p:nvPr/>
+      </p:nvGrpSpPr>
+      <p:grpSpPr>
+        <a:xfrm>
+          <a:off x="0" y="0"/>
+          <a:ext cx="0" cy="0"/>
+          <a:chOff x="0" y="0"/>
+          <a:chExt cx="0" cy="0"/>
+        </a:xfrm>
+      </p:grpSpPr>
+      <p:sp>
+        <p:nvSpPr>
+          <p:cNvPr id="2" name="Kopfzeilenplatzhalter 1"/>
+          <p:cNvSpPr>
+            <a:spLocks noGrp="1"/>
+          </p:cNvSpPr>
+          <p:nvPr>
+            <p:ph type="hdr" sz="quarter"/>
+          </p:nvPr>
+        </p:nvSpPr>
+        <p:spPr>
+          <a:xfrm>
+            <a:off x="0" y="0"/>
+            <a:ext cx="2971800" cy="458788"/>
+          </a:xfrm>
+          <a:prstGeom prst="rect">
+            <a:avLst/>
+          </a:prstGeom>
+        </p:spPr>
+        <p:txBody>
+          <a:bodyPr vert="horz" lIns="91440" tIns="45720" rIns="91440" bIns="45720" rtlCol="0"/>
+          <a:lstStyle>
+            <a:lvl1pPr algn="l">
+              <a:defRPr sz="1200"/>
+            </a:lvl1pPr>
+          </a:lstStyle>
+          <a:p>
+            <a:endParaRPr lang="en-US"/>
+          </a:p>
+        </p:txBody>
+      </p:sp>
+      <p:sp>
+        <p:nvSpPr>
+          <p:cNvPr id="3" name="Datumsplatzhalter 2"/>
+          <p:cNvSpPr>
+            <a:spLocks noGrp="1"/>
+          </p:cNvSpPr>
+          <p:nvPr>
+            <p:ph type="dt" idx="1"/>
+          </p:nvPr>
+        </p:nvSpPr>
+        <p:spPr>
+          <a:xfrm>
+            <a:off x="3884613" y="0"/>
+            <a:ext cx="2971800" cy="458788"/>
+          </a:xfrm>
+          <a:prstGeom prst="rect">
+            <a:avLst/>
+          </a:prstGeom>
+        </p:spPr>
+        <p:txBody>
+          <a:bodyPr vert="horz" lIns="91440" tIns="45720" rIns="91440" bIns="45720" rtlCol="0"/>
+          <a:lstStyle>
+            <a:lvl1pPr algn="r">
+              <a:defRPr sz="1200"/>
+            </a:lvl1pPr>
+          </a:lstStyle>
+          <a:p>
+            <a:fld id="{B26449E8-52D7-443F-9D42-DC9D647F51CF}" type="datetimeFigureOut">
+              <a:rPr lang="en-US" smtClean="0"/>
+              <a:t>6/19/2024</a:t>
+            </a:fld>
+            <a:endParaRPr lang="en-US"/>
+          </a:p>
+        </p:txBody>
+      </p:sp>
+      <p:sp>
+        <p:nvSpPr>
+          <p:cNvPr id="4" name="Folienbildplatzhalter 3"/>
+          <p:cNvSpPr>
+            <a:spLocks noGrp="1" noRot="1" noChangeAspect="1"/>
+          </p:cNvSpPr>
+          <p:nvPr>
+            <p:ph type="sldImg" idx="2"/>
+          </p:nvPr>
+        </p:nvSpPr>
+        <p:spPr>
+          <a:xfrm>
+            <a:off x="685800" y="1143000"/>
+            <a:ext cx="5486400" cy="3086100"/>
+          </a:xfrm>
+          <a:prstGeom prst="rect">
+            <a:avLst/>
+          </a:prstGeom>
+          <a:noFill/>
+          <a:ln w="12700">
+            <a:solidFill>
+              <a:prstClr val="black"/>
+            </a:solidFill>
+          </a:ln>
+        </p:spPr>
+        <p:txBody>
+          <a:bodyPr vert="horz" lIns="91440" tIns="45720" rIns="91440" bIns="45720" rtlCol="0" anchor="ctr"/>
+          <a:lstStyle/>
+          <a:p>
+            <a:endParaRPr lang="en-US"/>
+          </a:p>
+        </p:txBody>
+      </p:sp>
+      <p:sp>
+        <p:nvSpPr>
+          <p:cNvPr id="5" name="Notizenplatzhalter 4"/>
+          <p:cNvSpPr>
+            <a:spLocks noGrp="1"/>
+          </p:cNvSpPr>
+          <p:nvPr>
+            <p:ph type="body" sz="quarter" idx="3"/>
+          </p:nvPr>
+        </p:nvSpPr>
+        <p:spPr>
+          <a:xfrm>
+            <a:off x="685800" y="4400550"/>
+            <a:ext cx="5486400" cy="3600450"/>
+          </a:xfrm>
+          <a:prstGeom prst="rect">
+            <a:avLst/>
+          </a:prstGeom>
+        </p:spPr>
+        <p:txBody>
+          <a:bodyPr vert="horz" lIns="91440" tIns="45720" rIns="91440" bIns="45720" rtlCol="0"/>
+          <a:lstStyle/>
+          <a:p>
+            <a:pPr lvl="0"/>
+            <a:r>
+              <a:rPr lang="de-DE"/>
+              <a:t>Mastertextformat bearbeiten</a:t>
+            </a:r>
+          </a:p>
+          <a:p>
+            <a:pPr lvl="1"/>
+            <a:r>
+              <a:rPr lang="de-DE"/>
+              <a:t>Zweite Ebene</a:t>
+            </a:r>
+          </a:p>
+          <a:p>
+            <a:pPr lvl="2"/>
+            <a:r>
+              <a:rPr lang="de-DE"/>
+              <a:t>Dritte Ebene</a:t>
+            </a:r>
+          </a:p>
+          <a:p>
+            <a:pPr lvl="3"/>
+            <a:r>
+              <a:rPr lang="de-DE"/>
+              <a:t>Vierte Ebene</a:t>
+            </a:r>
+          </a:p>
+          <a:p>
+            <a:pPr lvl="4"/>
+            <a:r>
+              <a:rPr lang="de-DE"/>
+              <a:t>Fünfte Ebene</a:t>
+            </a:r>
+            <a:endParaRPr lang="en-US"/>
+          </a:p>
+        </p:txBody>
+      </p:sp>
+      <p:sp>
+        <p:nvSpPr>
+          <p:cNvPr id="6" name="Fußzeilenplatzhalter 5"/>
+          <p:cNvSpPr>
+            <a:spLocks noGrp="1"/>
+          </p:cNvSpPr>
+          <p:nvPr>
+            <p:ph type="ftr" sz="quarter" idx="4"/>
+          </p:nvPr>
+        </p:nvSpPr>
+        <p:spPr>
+          <a:xfrm>
+            <a:off x="0" y="8685213"/>
+            <a:ext cx="2971800" cy="458787"/>
+          </a:xfrm>
+          <a:prstGeom prst="rect">
+            <a:avLst/>
+          </a:prstGeom>
+        </p:spPr>
+        <p:txBody>
+          <a:bodyPr vert="horz" lIns="91440" tIns="45720" rIns="91440" bIns="45720" rtlCol="0" anchor="b"/>
+          <a:lstStyle>
+            <a:lvl1pPr algn="l">
+              <a:defRPr sz="1200"/>
+            </a:lvl1pPr>
+          </a:lstStyle>
+          <a:p>
+            <a:endParaRPr lang="en-US"/>
+          </a:p>
+        </p:txBody>
+      </p:sp>
+      <p:sp>
+        <p:nvSpPr>
+          <p:cNvPr id="7" name="Foliennummernplatzhalter 6"/>
+          <p:cNvSpPr>
+            <a:spLocks noGrp="1"/>
+          </p:cNvSpPr>
+          <p:nvPr>
+            <p:ph type="sldNum" sz="quarter" idx="5"/>
+          </p:nvPr>
+        </p:nvSpPr>
+        <p:spPr>
+          <a:xfrm>
+            <a:off x="3884613" y="8685213"/>
+            <a:ext cx="2971800" cy="458787"/>
+          </a:xfrm>
+          <a:prstGeom prst="rect">
+            <a:avLst/>
+          </a:prstGeom>
+        </p:spPr>
+        <p:txBody>
+          <a:bodyPr vert="horz" lIns="91440" tIns="45720" rIns="91440" bIns="45720" rtlCol="0" anchor="b"/>
+          <a:lstStyle>
+            <a:lvl1pPr algn="r">
+              <a:defRPr sz="1200"/>
+            </a:lvl1pPr>
+          </a:lstStyle>
+          <a:p>
+            <a:fld id="{5C7D385D-2E7F-4D43-80EF-1270417FBAB7}" type="slidenum">
+              <a:rPr lang="en-US" smtClean="0"/>
+              <a:t>‹Nr.›</a:t>
+            </a:fld>
+            <a:endParaRPr lang="en-US"/>
+          </a:p>
+        </p:txBody>
+      </p:sp>
+    </p:spTree>
+    <p:extLst>
+      <p:ext uri="{BB962C8B-B14F-4D97-AF65-F5344CB8AC3E}">
+        <p14:creationId xmlns:p14="http://schemas.microsoft.com/office/powerpoint/2010/main" val="2500057692"/>
+      </p:ext>
+    </p:extLst>
+  </p:cSld>
+  <p:clrMap bg1="lt1" tx1="dk1" bg2="lt2" tx2="dk2" accent1="accent1" accent2="accent2" accent3="accent3" accent4="accent4" accent5="accent5" accent6="accent6" hlink="hlink" folHlink="folHlink"/>
+  <p:notesStyle>
+    <a:lvl1pPr marL="0" algn="l" defTabSz="914400" rtl="0" eaLnBrk="1" latinLnBrk="0" hangingPunct="1">
+      <a:defRPr sz="1200" kern="1200">
+        <a:solidFill>
+          <a:schemeClr val="tx1"/>
+        </a:solidFill>
+        <a:latin typeface="+mn-lt"/>
+        <a:ea typeface="+mn-ea"/>
+        <a:cs typeface="+mn-cs"/>
+      </a:defRPr>
+    </a:lvl1pPr>
+    <a:lvl2pPr marL="457200" algn="l" defTabSz="914400" rtl="0" eaLnBrk="1" latinLnBrk="0" hangingPunct="1">
+      <a:defRPr sz="1200" kern="1200">
+        <a:solidFill>
+          <a:schemeClr val="tx1"/>
+        </a:solidFill>
+        <a:latin typeface="+mn-lt"/>
+        <a:ea typeface="+mn-ea"/>
+        <a:cs typeface="+mn-cs"/>
+      </a:defRPr>
+    </a:lvl2pPr>
+    <a:lvl3pPr marL="914400" algn="l" defTabSz="914400" rtl="0" eaLnBrk="1" latinLnBrk="0" hangingPunct="1">
+      <a:defRPr sz="1200" kern="1200">
+        <a:solidFill>
+          <a:schemeClr val="tx1"/>
+        </a:solidFill>
+        <a:latin typeface="+mn-lt"/>
+        <a:ea typeface="+mn-ea"/>
+        <a:cs typeface="+mn-cs"/>
+      </a:defRPr>
+    </a:lvl3pPr>
+    <a:lvl4pPr marL="1371600" algn="l" defTabSz="914400" rtl="0" eaLnBrk="1" latinLnBrk="0" hangingPunct="1">
+      <a:defRPr sz="1200" kern="1200">
+        <a:solidFill>
+          <a:schemeClr val="tx1"/>
+        </a:solidFill>
+        <a:latin typeface="+mn-lt"/>
+        <a:ea typeface="+mn-ea"/>
+        <a:cs typeface="+mn-cs"/>
+      </a:defRPr>
+    </a:lvl4pPr>
+    <a:lvl5pPr marL="1828800" algn="l" defTabSz="914400" rtl="0" eaLnBrk="1" latinLnBrk="0" hangingPunct="1">
+      <a:defRPr sz="1200" kern="1200">
+        <a:solidFill>
+          <a:schemeClr val="tx1"/>
+        </a:solidFill>
+        <a:latin typeface="+mn-lt"/>
+        <a:ea typeface="+mn-ea"/>
+        <a:cs typeface="+mn-cs"/>
+      </a:defRPr>
+    </a:lvl5pPr>
+    <a:lvl6pPr marL="2286000" algn="l" defTabSz="914400" rtl="0" eaLnBrk="1" latinLnBrk="0" hangingPunct="1">
+      <a:defRPr sz="1200" kern="1200">
+        <a:solidFill>
+          <a:schemeClr val="tx1"/>
+        </a:solidFill>
+        <a:latin typeface="+mn-lt"/>
+        <a:ea typeface="+mn-ea"/>
+        <a:cs typeface="+mn-cs"/>
+      </a:defRPr>
+    </a:lvl6pPr>
+    <a:lvl7pPr marL="2743200" algn="l" defTabSz="914400" rtl="0" eaLnBrk="1" latinLnBrk="0" hangingPunct="1">
+      <a:defRPr sz="1200" kern="1200">
+        <a:solidFill>
+          <a:schemeClr val="tx1"/>
+        </a:solidFill>
+        <a:latin typeface="+mn-lt"/>
+        <a:ea typeface="+mn-ea"/>
+        <a:cs typeface="+mn-cs"/>
+      </a:defRPr>
+    </a:lvl7pPr>
+    <a:lvl8pPr marL="3200400" algn="l" defTabSz="914400" rtl="0" eaLnBrk="1" latinLnBrk="0" hangingPunct="1">
+      <a:defRPr sz="1200" kern="1200">
+        <a:solidFill>
+          <a:schemeClr val="tx1"/>
+        </a:solidFill>
+        <a:latin typeface="+mn-lt"/>
+        <a:ea typeface="+mn-ea"/>
+        <a:cs typeface="+mn-cs"/>
+      </a:defRPr>
+    </a:lvl8pPr>
+    <a:lvl9pPr marL="3657600" algn="l" defTabSz="914400" rtl="0" eaLnBrk="1" latinLnBrk="0" hangingPunct="1">
+      <a:defRPr sz="1200" kern="1200">
+        <a:solidFill>
+          <a:schemeClr val="tx1"/>
+        </a:solidFill>
+        <a:latin typeface="+mn-lt"/>
+        <a:ea typeface="+mn-ea"/>
+        <a:cs typeface="+mn-cs"/>
+      </a:defRPr>
+    </a:lvl9pPr>
+  </p:notesStyle>
+</p:notesMaster>
+</file>
+
+<file path=ppt/notesSlides/notesSlide1.xml><?xml version="1.0" encoding="utf-8"?>
+<p:notes xmlns:a="http://schemas.openxmlformats.org/drawingml/2006/main" xmlns:r="http://schemas.openxmlformats.org/officeDocument/2006/relationships" xmlns:p="http://schemas.openxmlformats.org/presentationml/2006/main">
+  <p:cSld>
+    <p:spTree>
+      <p:nvGrpSpPr>
+        <p:cNvPr id="1" name=""/>
+        <p:cNvGrpSpPr/>
+        <p:nvPr/>
+      </p:nvGrpSpPr>
+      <p:grpSpPr>
+        <a:xfrm>
+          <a:off x="0" y="0"/>
+          <a:ext cx="0" cy="0"/>
+          <a:chOff x="0" y="0"/>
+          <a:chExt cx="0" cy="0"/>
+        </a:xfrm>
+      </p:grpSpPr>
+      <p:sp>
+        <p:nvSpPr>
+          <p:cNvPr id="2" name="Folienbildplatzhalter 1"/>
+          <p:cNvSpPr>
+            <a:spLocks noGrp="1" noRot="1" noChangeAspect="1"/>
+          </p:cNvSpPr>
+          <p:nvPr>
+            <p:ph type="sldImg"/>
+          </p:nvPr>
+        </p:nvSpPr>
+        <p:spPr/>
+      </p:sp>
+      <p:sp>
+        <p:nvSpPr>
+          <p:cNvPr id="3" name="Notizenplatzhalter 2"/>
+          <p:cNvSpPr>
+            <a:spLocks noGrp="1"/>
+          </p:cNvSpPr>
+          <p:nvPr>
+            <p:ph type="body" idx="1"/>
+          </p:nvPr>
+        </p:nvSpPr>
+        <p:spPr/>
+        <p:txBody>
+          <a:bodyPr/>
+          <a:lstStyle/>
+          <a:p>
+            <a:endParaRPr lang="en-US" dirty="0"/>
+          </a:p>
+        </p:txBody>
+      </p:sp>
+      <p:sp>
+        <p:nvSpPr>
+          <p:cNvPr id="4" name="Foliennummernplatzhalter 3"/>
+          <p:cNvSpPr>
+            <a:spLocks noGrp="1"/>
+          </p:cNvSpPr>
+          <p:nvPr>
+            <p:ph type="sldNum" sz="quarter" idx="5"/>
+          </p:nvPr>
+        </p:nvSpPr>
+        <p:spPr/>
+        <p:txBody>
+          <a:bodyPr/>
+          <a:lstStyle/>
+          <a:p>
+            <a:fld id="{5C7D385D-2E7F-4D43-80EF-1270417FBAB7}" type="slidenum">
+              <a:rPr lang="en-US" smtClean="0"/>
+              <a:t>2</a:t>
+            </a:fld>
+            <a:endParaRPr lang="en-US"/>
+          </a:p>
+        </p:txBody>
+      </p:sp>
+    </p:spTree>
+    <p:extLst>
+      <p:ext uri="{BB962C8B-B14F-4D97-AF65-F5344CB8AC3E}">
+        <p14:creationId xmlns:p14="http://schemas.microsoft.com/office/powerpoint/2010/main" val="1265289831"/>
+      </p:ext>
+    </p:extLst>
+  </p:cSld>
+  <p:clrMapOvr>
+    <a:masterClrMapping/>
+  </p:clrMapOvr>
+</p:notes>
+</file>
+
 <file path=ppt/slideLayouts/slideLayout1.xml><?xml version="1.0" encoding="utf-8"?>
 <p:sldLayout xmlns:a="http://schemas.openxmlformats.org/drawingml/2006/main" xmlns:r="http://schemas.openxmlformats.org/officeDocument/2006/relationships" xmlns:p="http://schemas.openxmlformats.org/presentationml/2006/main" type="title" preserve="1">
   <p:cSld name="Title Slide">
@@ -11206,6 +11644,201 @@
           <p:cNvPr id="2" name="Titel 1">
             <a:extLst>
               <a:ext uri="{FF2B5EF4-FFF2-40B4-BE49-F238E27FC236}">
+                <a16:creationId xmlns:a16="http://schemas.microsoft.com/office/drawing/2014/main" id="{CB07D2BA-AF63-C48C-CEC1-0A4D53E2DCA2}"/>
+              </a:ext>
+            </a:extLst>
+          </p:cNvPr>
+          <p:cNvSpPr>
+            <a:spLocks noGrp="1"/>
+          </p:cNvSpPr>
+          <p:nvPr>
+            <p:ph type="title"/>
+          </p:nvPr>
+        </p:nvSpPr>
+        <p:spPr/>
+        <p:txBody>
+          <a:bodyPr/>
+          <a:lstStyle/>
+          <a:p>
+            <a:endParaRPr lang="de-DE"/>
+          </a:p>
+        </p:txBody>
+      </p:sp>
+      <p:sp>
+        <p:nvSpPr>
+          <p:cNvPr id="4" name="TextBox 4">
+            <a:extLst>
+              <a:ext uri="{FF2B5EF4-FFF2-40B4-BE49-F238E27FC236}">
+                <a16:creationId xmlns:a16="http://schemas.microsoft.com/office/drawing/2014/main" id="{E5040485-7734-CB26-41AD-D60743DEB8F6}"/>
+              </a:ext>
+            </a:extLst>
+          </p:cNvPr>
+          <p:cNvSpPr txBox="1"/>
+          <p:nvPr/>
+        </p:nvSpPr>
+        <p:spPr>
+          <a:xfrm>
+            <a:off x="2079301" y="1690688"/>
+            <a:ext cx="7060565" cy="954107"/>
+          </a:xfrm>
+          <a:prstGeom prst="rect">
+            <a:avLst/>
+          </a:prstGeom>
+          <a:noFill/>
+        </p:spPr>
+        <p:txBody>
+          <a:bodyPr wrap="square" lIns="91440" tIns="45720" rIns="91440" bIns="45720" rtlCol="0" anchor="t">
+            <a:spAutoFit/>
+          </a:bodyPr>
+          <a:lstStyle/>
+          <a:p>
+            <a:r>
+              <a:rPr lang="de-DE" sz="1400" dirty="0">
+                <a:latin typeface="Calibri"/>
+                <a:cs typeface="Calibri"/>
+              </a:rPr>
+              <a:t>Geplante </a:t>
+            </a:r>
+            <a:r>
+              <a:rPr lang="de-DE" sz="1400" dirty="0" err="1">
+                <a:latin typeface="Calibri"/>
+                <a:cs typeface="Calibri"/>
+              </a:rPr>
+              <a:t>Storypoints</a:t>
+            </a:r>
+            <a:r>
+              <a:rPr lang="de-DE" sz="1400" dirty="0">
+                <a:latin typeface="Calibri"/>
+                <a:cs typeface="Calibri"/>
+              </a:rPr>
+              <a:t>: 57</a:t>
+            </a:r>
+          </a:p>
+          <a:p>
+            <a:r>
+              <a:rPr lang="de-DE" sz="1400" dirty="0">
+                <a:latin typeface="Calibri"/>
+                <a:cs typeface="Calibri"/>
+              </a:rPr>
+              <a:t>Erledigte </a:t>
+            </a:r>
+            <a:r>
+              <a:rPr lang="de-DE" sz="1400" dirty="0" err="1">
+                <a:latin typeface="Calibri"/>
+                <a:cs typeface="Calibri"/>
+              </a:rPr>
+              <a:t>Storypoints</a:t>
+            </a:r>
+            <a:r>
+              <a:rPr lang="de-DE" sz="1400" dirty="0">
+                <a:latin typeface="Calibri"/>
+                <a:cs typeface="Calibri"/>
+              </a:rPr>
+              <a:t>: 39</a:t>
+            </a:r>
+            <a:endParaRPr lang="de-DE" sz="1400" dirty="0">
+              <a:latin typeface="Calibri"/>
+              <a:ea typeface="Calibri"/>
+              <a:cs typeface="Calibri"/>
+            </a:endParaRPr>
+          </a:p>
+          <a:p>
+            <a:r>
+              <a:rPr lang="de-DE" sz="1400" dirty="0">
+                <a:latin typeface="Calibri"/>
+                <a:cs typeface="Calibri"/>
+              </a:rPr>
+              <a:t>Offene </a:t>
+            </a:r>
+            <a:r>
+              <a:rPr lang="de-DE" sz="1400" dirty="0" err="1">
+                <a:latin typeface="Calibri"/>
+                <a:cs typeface="Calibri"/>
+              </a:rPr>
+              <a:t>Storypoints</a:t>
+            </a:r>
+            <a:r>
+              <a:rPr lang="de-DE" sz="1400" dirty="0">
+                <a:latin typeface="Calibri"/>
+                <a:cs typeface="Calibri"/>
+              </a:rPr>
+              <a:t>:   18</a:t>
+            </a:r>
+            <a:endParaRPr lang="de-DE" sz="1400" dirty="0">
+              <a:latin typeface="Calibri" panose="020F0502020204030204" charset="0"/>
+              <a:cs typeface="Calibri"/>
+            </a:endParaRPr>
+          </a:p>
+          <a:p>
+            <a:endParaRPr lang="de-DE" sz="1400" dirty="0">
+              <a:latin typeface="Calibri" panose="020F0502020204030204" charset="0"/>
+            </a:endParaRPr>
+          </a:p>
+        </p:txBody>
+      </p:sp>
+      <p:graphicFrame>
+        <p:nvGraphicFramePr>
+          <p:cNvPr id="5" name="Diagramm 4" descr="Fett">
+            <a:extLst>
+              <a:ext uri="{FF2B5EF4-FFF2-40B4-BE49-F238E27FC236}">
+                <a16:creationId xmlns:a16="http://schemas.microsoft.com/office/drawing/2014/main" id="{734D5E53-2418-EDD4-B479-052CDC1FFDE6}"/>
+              </a:ext>
+            </a:extLst>
+          </p:cNvPr>
+          <p:cNvGraphicFramePr/>
+          <p:nvPr>
+            <p:extLst>
+              <p:ext uri="{D42A27DB-BD31-4B8C-83A1-F6EECF244321}">
+                <p14:modId xmlns:p14="http://schemas.microsoft.com/office/powerpoint/2010/main" val="1290719947"/>
+              </p:ext>
+            </p:extLst>
+          </p:nvPr>
+        </p:nvGraphicFramePr>
+        <p:xfrm>
+          <a:off x="2606033" y="2546500"/>
+          <a:ext cx="7011035" cy="4064000"/>
+        </p:xfrm>
+        <a:graphic>
+          <a:graphicData uri="http://schemas.openxmlformats.org/drawingml/2006/chart">
+            <c:chart xmlns:c="http://schemas.openxmlformats.org/drawingml/2006/chart" xmlns:r="http://schemas.openxmlformats.org/officeDocument/2006/relationships" r:id="rId2"/>
+          </a:graphicData>
+        </a:graphic>
+      </p:graphicFrame>
+    </p:spTree>
+    <p:extLst>
+      <p:ext uri="{BB962C8B-B14F-4D97-AF65-F5344CB8AC3E}">
+        <p14:creationId xmlns:p14="http://schemas.microsoft.com/office/powerpoint/2010/main" val="26891339"/>
+      </p:ext>
+    </p:extLst>
+  </p:cSld>
+  <p:clrMapOvr>
+    <a:masterClrMapping/>
+  </p:clrMapOvr>
+</p:sld>
+</file>
+
+<file path=ppt/slides/slide11.xml><?xml version="1.0" encoding="utf-8"?>
+<p:sld xmlns:a="http://schemas.openxmlformats.org/drawingml/2006/main" xmlns:r="http://schemas.openxmlformats.org/officeDocument/2006/relationships" xmlns:p="http://schemas.openxmlformats.org/presentationml/2006/main">
+  <p:cSld>
+    <p:spTree>
+      <p:nvGrpSpPr>
+        <p:cNvPr id="1" name=""/>
+        <p:cNvGrpSpPr/>
+        <p:nvPr/>
+      </p:nvGrpSpPr>
+      <p:grpSpPr>
+        <a:xfrm>
+          <a:off x="0" y="0"/>
+          <a:ext cx="0" cy="0"/>
+          <a:chOff x="0" y="0"/>
+          <a:chExt cx="0" cy="0"/>
+        </a:xfrm>
+      </p:grpSpPr>
+      <p:sp>
+        <p:nvSpPr>
+          <p:cNvPr id="2" name="Titel 1">
+            <a:extLst>
+              <a:ext uri="{FF2B5EF4-FFF2-40B4-BE49-F238E27FC236}">
                 <a16:creationId xmlns:a16="http://schemas.microsoft.com/office/drawing/2014/main" id="{FDA4D8C8-0FC8-2425-A8F0-6E64AA5EA738}"/>
               </a:ext>
             </a:extLst>
@@ -11879,7 +12512,7 @@
                         <a:buNone/>
                       </a:pPr>
                       <a:r>
-                        <a:rPr lang="de-DE" altLang="en-US">
+                        <a:rPr lang="de-DE" altLang="en-US" dirty="0">
                           <a:latin typeface="Calibri"/>
                         </a:rPr>
                         <a:t>Jonas Maier</a:t>
@@ -12486,7 +13119,7 @@
 </p:sld>
 </file>
 
-<file path=ppt/slides/slide11.xml><?xml version="1.0" encoding="utf-8"?>
+<file path=ppt/slides/slide12.xml><?xml version="1.0" encoding="utf-8"?>
 <p:sld xmlns:a="http://schemas.openxmlformats.org/drawingml/2006/main" xmlns:r="http://schemas.openxmlformats.org/officeDocument/2006/relationships" xmlns:p="http://schemas.openxmlformats.org/presentationml/2006/main">
   <p:cSld>
     <p:spTree>
@@ -12681,7 +13314,7 @@
 </p:sld>
 </file>
 
-<file path=ppt/slides/slide12.xml><?xml version="1.0" encoding="utf-8"?>
+<file path=ppt/slides/slide13.xml><?xml version="1.0" encoding="utf-8"?>
 <p:sld xmlns:a="http://schemas.openxmlformats.org/drawingml/2006/main" xmlns:r="http://schemas.openxmlformats.org/officeDocument/2006/relationships" xmlns:p="http://schemas.openxmlformats.org/presentationml/2006/main">
   <p:cSld>
     <p:spTree>
@@ -13983,7 +14616,7 @@
 </p:sld>
 </file>
 
-<file path=ppt/slides/slide13.xml><?xml version="1.0" encoding="utf-8"?>
+<file path=ppt/slides/slide14.xml><?xml version="1.0" encoding="utf-8"?>
 <p:sld xmlns:a="http://schemas.openxmlformats.org/drawingml/2006/main" xmlns:r="http://schemas.openxmlformats.org/officeDocument/2006/relationships" xmlns:p="http://schemas.openxmlformats.org/presentationml/2006/main">
   <p:cSld>
     <p:spTree>
@@ -14178,7 +14811,7 @@
 </p:sld>
 </file>
 
-<file path=ppt/slides/slide14.xml><?xml version="1.0" encoding="utf-8"?>
+<file path=ppt/slides/slide15.xml><?xml version="1.0" encoding="utf-8"?>
 <p:sld xmlns:a="http://schemas.openxmlformats.org/drawingml/2006/main" xmlns:r="http://schemas.openxmlformats.org/officeDocument/2006/relationships" xmlns:p="http://schemas.openxmlformats.org/presentationml/2006/main">
   <p:cSld>
     <p:spTree>
@@ -14266,7 +14899,7 @@
 </p:sld>
 </file>
 
-<file path=ppt/slides/slide15.xml><?xml version="1.0" encoding="utf-8"?>
+<file path=ppt/slides/slide16.xml><?xml version="1.0" encoding="utf-8"?>
 <p:sld xmlns:a="http://schemas.openxmlformats.org/drawingml/2006/main" xmlns:r="http://schemas.openxmlformats.org/officeDocument/2006/relationships" xmlns:p="http://schemas.openxmlformats.org/presentationml/2006/main">
   <p:cSld>
     <p:bg>
@@ -14777,7 +15410,7 @@
 </p:sld>
 </file>
 
-<file path=ppt/slides/slide16.xml><?xml version="1.0" encoding="utf-8"?>
+<file path=ppt/slides/slide17.xml><?xml version="1.0" encoding="utf-8"?>
 <p:sld xmlns:a="http://schemas.openxmlformats.org/drawingml/2006/main" xmlns:r="http://schemas.openxmlformats.org/officeDocument/2006/relationships" xmlns:p="http://schemas.openxmlformats.org/presentationml/2006/main">
   <p:cSld>
     <p:bg>
@@ -14957,7 +15590,7 @@
 </p:sld>
 </file>
 
-<file path=ppt/slides/slide17.xml><?xml version="1.0" encoding="utf-8"?>
+<file path=ppt/slides/slide18.xml><?xml version="1.0" encoding="utf-8"?>
 <p:sld xmlns:a="http://schemas.openxmlformats.org/drawingml/2006/main" xmlns:r="http://schemas.openxmlformats.org/officeDocument/2006/relationships" xmlns:p="http://schemas.openxmlformats.org/presentationml/2006/main">
   <p:cSld>
     <p:bg>
@@ -15137,7 +15770,7 @@
 </p:sld>
 </file>
 
-<file path=ppt/slides/slide18.xml><?xml version="1.0" encoding="utf-8"?>
+<file path=ppt/slides/slide19.xml><?xml version="1.0" encoding="utf-8"?>
 <p:sld xmlns:a="http://schemas.openxmlformats.org/drawingml/2006/main" xmlns:r="http://schemas.openxmlformats.org/officeDocument/2006/relationships" xmlns:p="http://schemas.openxmlformats.org/presentationml/2006/main">
   <p:cSld>
     <p:spTree>
@@ -15283,7 +15916,176 @@
 </p:sld>
 </file>
 
-<file path=ppt/slides/slide19.xml><?xml version="1.0" encoding="utf-8"?>
+<file path=ppt/slides/slide2.xml><?xml version="1.0" encoding="utf-8"?>
+<p:sld xmlns:a="http://schemas.openxmlformats.org/drawingml/2006/main" xmlns:r="http://schemas.openxmlformats.org/officeDocument/2006/relationships" xmlns:p="http://schemas.openxmlformats.org/presentationml/2006/main">
+  <p:cSld>
+    <p:spTree>
+      <p:nvGrpSpPr>
+        <p:cNvPr id="1" name=""/>
+        <p:cNvGrpSpPr/>
+        <p:nvPr/>
+      </p:nvGrpSpPr>
+      <p:grpSpPr>
+        <a:xfrm>
+          <a:off x="0" y="0"/>
+          <a:ext cx="0" cy="0"/>
+          <a:chOff x="0" y="0"/>
+          <a:chExt cx="0" cy="0"/>
+        </a:xfrm>
+      </p:grpSpPr>
+      <p:sp>
+        <p:nvSpPr>
+          <p:cNvPr id="2" name="Titel 1">
+            <a:extLst>
+              <a:ext uri="{FF2B5EF4-FFF2-40B4-BE49-F238E27FC236}">
+                <a16:creationId xmlns:a16="http://schemas.microsoft.com/office/drawing/2014/main" id="{3646C567-9938-3E5A-26BD-31C51BACE287}"/>
+              </a:ext>
+            </a:extLst>
+          </p:cNvPr>
+          <p:cNvSpPr>
+            <a:spLocks noGrp="1"/>
+          </p:cNvSpPr>
+          <p:nvPr>
+            <p:ph type="title"/>
+          </p:nvPr>
+        </p:nvSpPr>
+        <p:spPr>
+          <a:xfrm>
+            <a:off x="838199" y="365125"/>
+            <a:ext cx="10574547" cy="5492211"/>
+          </a:xfrm>
+        </p:spPr>
+        <p:txBody>
+          <a:bodyPr>
+            <a:normAutofit/>
+          </a:bodyPr>
+          <a:lstStyle/>
+          <a:p>
+            <a:r>
+              <a:rPr lang="en-US" dirty="0"/>
+              <a:t>“</a:t>
+            </a:r>
+            <a:r>
+              <a:rPr lang="en-US" dirty="0" err="1"/>
+              <a:t>Macht</a:t>
+            </a:r>
+            <a:r>
+              <a:rPr lang="en-US" dirty="0"/>
+              <a:t> </a:t>
+            </a:r>
+            <a:r>
+              <a:rPr lang="en-US" dirty="0" err="1"/>
+              <a:t>entsteht</a:t>
+            </a:r>
+            <a:r>
+              <a:rPr lang="en-US" dirty="0"/>
+              <a:t> </a:t>
+            </a:r>
+            <a:r>
+              <a:rPr lang="en-US" dirty="0" err="1"/>
+              <a:t>nicht</a:t>
+            </a:r>
+            <a:r>
+              <a:rPr lang="en-US" dirty="0"/>
+              <a:t> </a:t>
+            </a:r>
+            <a:r>
+              <a:rPr lang="en-US" dirty="0" err="1"/>
+              <a:t>aus</a:t>
+            </a:r>
+            <a:r>
+              <a:rPr lang="en-US" dirty="0"/>
+              <a:t> </a:t>
+            </a:r>
+            <a:r>
+              <a:rPr lang="en-US" dirty="0" err="1"/>
+              <a:t>einem</a:t>
+            </a:r>
+            <a:r>
+              <a:rPr lang="en-US" dirty="0"/>
+              <a:t> Wunsch </a:t>
+            </a:r>
+            <a:r>
+              <a:rPr lang="en-US" dirty="0" err="1"/>
+              <a:t>heraus</a:t>
+            </a:r>
+            <a:r>
+              <a:rPr lang="en-US" dirty="0"/>
+              <a:t>, </a:t>
+            </a:r>
+            <a:r>
+              <a:rPr lang="en-US" dirty="0" err="1"/>
+              <a:t>sondern</a:t>
+            </a:r>
+            <a:r>
+              <a:rPr lang="en-US" dirty="0"/>
+              <a:t> </a:t>
+            </a:r>
+            <a:r>
+              <a:rPr lang="en-US" dirty="0" err="1"/>
+              <a:t>aus</a:t>
+            </a:r>
+            <a:r>
+              <a:rPr lang="en-US" dirty="0"/>
+              <a:t> </a:t>
+            </a:r>
+            <a:r>
+              <a:rPr lang="en-US" dirty="0" err="1"/>
+              <a:t>einem</a:t>
+            </a:r>
+            <a:r>
+              <a:rPr lang="en-US" dirty="0"/>
+              <a:t> </a:t>
+            </a:r>
+            <a:r>
+              <a:rPr lang="en-US" dirty="0" err="1"/>
+              <a:t>Bedürfnis</a:t>
+            </a:r>
+            <a:r>
+              <a:rPr lang="en-US" dirty="0"/>
+              <a:t>. Dieses </a:t>
+            </a:r>
+            <a:r>
+              <a:rPr lang="en-US" dirty="0" err="1"/>
+              <a:t>Bedürfnis</a:t>
+            </a:r>
+            <a:r>
+              <a:rPr lang="en-US" dirty="0"/>
+              <a:t> muss man </a:t>
+            </a:r>
+            <a:r>
+              <a:rPr lang="en-US" dirty="0" err="1"/>
+              <a:t>sich</a:t>
+            </a:r>
+            <a:r>
+              <a:rPr lang="en-US" dirty="0"/>
+              <a:t> </a:t>
+            </a:r>
+            <a:r>
+              <a:rPr lang="en-US" dirty="0" err="1"/>
+              <a:t>schaffen</a:t>
+            </a:r>
+            <a:r>
+              <a:rPr lang="en-US" dirty="0"/>
+              <a:t>.”</a:t>
+            </a:r>
+          </a:p>
+        </p:txBody>
+      </p:sp>
+    </p:spTree>
+    <p:extLst>
+      <p:ext uri="{BB962C8B-B14F-4D97-AF65-F5344CB8AC3E}">
+        <p14:creationId xmlns:p14="http://schemas.microsoft.com/office/powerpoint/2010/main" val="2544648830"/>
+      </p:ext>
+    </p:extLst>
+  </p:cSld>
+  <p:clrMapOvr>
+    <a:masterClrMapping/>
+  </p:clrMapOvr>
+</p:sld>
+</file>
+
+<file path=ppt/slides/slide20.xml><?xml version="1.0" encoding="utf-8"?>
 <p:sld xmlns:a="http://schemas.openxmlformats.org/drawingml/2006/main" xmlns:r="http://schemas.openxmlformats.org/officeDocument/2006/relationships" xmlns:p="http://schemas.openxmlformats.org/presentationml/2006/main">
   <p:cSld>
     <p:bg>
@@ -15479,7 +16281,196 @@
 </p:sld>
 </file>
 
-<file path=ppt/slides/slide2.xml><?xml version="1.0" encoding="utf-8"?>
+<file path=ppt/slides/slide21.xml><?xml version="1.0" encoding="utf-8"?>
+<p:sld xmlns:a="http://schemas.openxmlformats.org/drawingml/2006/main" xmlns:r="http://schemas.openxmlformats.org/officeDocument/2006/relationships" xmlns:p="http://schemas.openxmlformats.org/presentationml/2006/main">
+  <p:cSld>
+    <p:bg>
+      <p:bgPr>
+        <a:solidFill>
+          <a:schemeClr val="bg1"/>
+        </a:solidFill>
+        <a:effectLst/>
+      </p:bgPr>
+    </p:bg>
+    <p:spTree>
+      <p:nvGrpSpPr>
+        <p:cNvPr id="1" name=""/>
+        <p:cNvGrpSpPr/>
+        <p:nvPr/>
+      </p:nvGrpSpPr>
+      <p:grpSpPr>
+        <a:xfrm>
+          <a:off x="0" y="0"/>
+          <a:ext cx="0" cy="0"/>
+          <a:chOff x="0" y="0"/>
+          <a:chExt cx="0" cy="0"/>
+        </a:xfrm>
+      </p:grpSpPr>
+      <p:sp>
+        <p:nvSpPr>
+          <p:cNvPr id="31" name="Down Arrow 7">
+            <a:extLst>
+              <a:ext uri="{FF2B5EF4-FFF2-40B4-BE49-F238E27FC236}">
+                <a16:creationId xmlns:a16="http://schemas.microsoft.com/office/drawing/2014/main" id="{D4771268-CB57-404A-9271-370EB28F6090}"/>
+              </a:ext>
+              <a:ext uri="{C183D7F6-B498-43B3-948B-1728B52AA6E4}">
+                <adec:decorative xmlns:adec="http://schemas.microsoft.com/office/drawing/2017/decorative" val="1"/>
+              </a:ext>
+            </a:extLst>
+          </p:cNvPr>
+          <p:cNvSpPr>
+            <a:spLocks noGrp="1" noRot="1" noChangeAspect="1" noMove="1" noResize="1" noEditPoints="1" noAdjustHandles="1" noChangeArrowheads="1" noChangeShapeType="1" noTextEdit="1"/>
+          </p:cNvSpPr>
+          <p:nvPr>
+            <p:extLst>
+              <p:ext uri="{386F3935-93C4-4BCD-93E2-E3B085C9AB24}">
+                <p16:designElem xmlns:p16="http://schemas.microsoft.com/office/powerpoint/2015/main" val="1"/>
+              </p:ext>
+            </p:extLst>
+          </p:nvPr>
+        </p:nvSpPr>
+        <p:spPr>
+          <a:xfrm rot="16200000">
+            <a:off x="800100" y="1491343"/>
+            <a:ext cx="3333749" cy="3499103"/>
+          </a:xfrm>
+          <a:prstGeom prst="downArrow">
+            <a:avLst>
+              <a:gd name="adj1" fmla="val 100000"/>
+              <a:gd name="adj2" fmla="val 15788"/>
+            </a:avLst>
+          </a:prstGeom>
+          <a:solidFill>
+            <a:srgbClr val="404040"/>
+          </a:solidFill>
+          <a:ln w="53975">
+            <a:noFill/>
+          </a:ln>
+        </p:spPr>
+        <p:style>
+          <a:lnRef idx="2">
+            <a:schemeClr val="accent1">
+              <a:shade val="50000"/>
+            </a:schemeClr>
+          </a:lnRef>
+          <a:fillRef idx="1">
+            <a:schemeClr val="accent1"/>
+          </a:fillRef>
+          <a:effectRef idx="0">
+            <a:schemeClr val="accent1"/>
+          </a:effectRef>
+          <a:fontRef idx="minor">
+            <a:schemeClr val="lt1"/>
+          </a:fontRef>
+        </p:style>
+        <p:txBody>
+          <a:bodyPr rtlCol="0" anchor="ctr"/>
+          <a:lstStyle/>
+          <a:p>
+            <a:pPr algn="ctr"/>
+            <a:endParaRPr lang="en-US"/>
+          </a:p>
+        </p:txBody>
+      </p:sp>
+      <p:sp>
+        <p:nvSpPr>
+          <p:cNvPr id="2" name="Titel 1">
+            <a:extLst>
+              <a:ext uri="{FF2B5EF4-FFF2-40B4-BE49-F238E27FC236}">
+                <a16:creationId xmlns:a16="http://schemas.microsoft.com/office/drawing/2014/main" id="{C187B6FD-23D6-A736-A3EB-8884DE82658E}"/>
+              </a:ext>
+            </a:extLst>
+          </p:cNvPr>
+          <p:cNvSpPr>
+            <a:spLocks noGrp="1"/>
+          </p:cNvSpPr>
+          <p:nvPr>
+            <p:ph type="title"/>
+          </p:nvPr>
+        </p:nvSpPr>
+        <p:spPr>
+          <a:xfrm>
+            <a:off x="1028700" y="1967266"/>
+            <a:ext cx="2628900" cy="2547257"/>
+          </a:xfrm>
+          <a:prstGeom prst="rect">
+            <a:avLst/>
+          </a:prstGeom>
+          <a:noFill/>
+        </p:spPr>
+        <p:txBody>
+          <a:bodyPr vert="horz" lIns="91440" tIns="45720" rIns="91440" bIns="45720" rtlCol="0" anchor="ctr">
+            <a:normAutofit/>
+          </a:bodyPr>
+          <a:lstStyle/>
+          <a:p>
+            <a:pPr algn="ctr"/>
+            <a:r>
+              <a:rPr lang="en-US" sz="2800" kern="1200">
+                <a:solidFill>
+                  <a:srgbClr val="FFFFFF"/>
+                </a:solidFill>
+                <a:latin typeface="+mj-lt"/>
+                <a:ea typeface="+mj-ea"/>
+                <a:cs typeface="+mj-cs"/>
+              </a:rPr>
+              <a:t>Vielen Dank für Eure Aufmerksamkeit!</a:t>
+            </a:r>
+          </a:p>
+        </p:txBody>
+      </p:sp>
+      <p:pic>
+        <p:nvPicPr>
+          <p:cNvPr id="4" name="Inhaltsplatzhalter 4" descr="Ein Bild, das Smiley, Cartoon, gelb enthält.&#10;&#10;Automatisch generierte Beschreibung">
+            <a:extLst>
+              <a:ext uri="{FF2B5EF4-FFF2-40B4-BE49-F238E27FC236}">
+                <a16:creationId xmlns:a16="http://schemas.microsoft.com/office/drawing/2014/main" id="{CD31162B-CEF8-622D-D526-EB40DEB4A224}"/>
+              </a:ext>
+            </a:extLst>
+          </p:cNvPr>
+          <p:cNvPicPr>
+            <a:picLocks noGrp="1" noChangeAspect="1"/>
+          </p:cNvPicPr>
+          <p:nvPr>
+            <p:ph idx="1"/>
+          </p:nvPr>
+        </p:nvPicPr>
+        <p:blipFill>
+          <a:blip r:embed="rId2">
+            <a:extLst>
+              <a:ext uri="{28A0092B-C50C-407E-A947-70E740481C1C}">
+                <a14:useLocalDpi xmlns:a14="http://schemas.microsoft.com/office/drawing/2010/main" val="0"/>
+              </a:ext>
+            </a:extLst>
+          </a:blip>
+          <a:stretch>
+            <a:fillRect/>
+          </a:stretch>
+        </p:blipFill>
+        <p:spPr>
+          <a:xfrm>
+            <a:off x="5234338" y="643466"/>
+            <a:ext cx="5866655" cy="5568739"/>
+          </a:xfrm>
+          <a:prstGeom prst="rect">
+            <a:avLst/>
+          </a:prstGeom>
+        </p:spPr>
+      </p:pic>
+    </p:spTree>
+    <p:extLst>
+      <p:ext uri="{BB962C8B-B14F-4D97-AF65-F5344CB8AC3E}">
+        <p14:creationId xmlns:p14="http://schemas.microsoft.com/office/powerpoint/2010/main" val="3213108391"/>
+      </p:ext>
+    </p:extLst>
+  </p:cSld>
+  <p:clrMapOvr>
+    <a:masterClrMapping/>
+  </p:clrMapOvr>
+</p:sld>
+</file>
+
+<file path=ppt/slides/slide3.xml><?xml version="1.0" encoding="utf-8"?>
 <p:sld xmlns:a="http://schemas.openxmlformats.org/drawingml/2006/main" xmlns:r="http://schemas.openxmlformats.org/officeDocument/2006/relationships" xmlns:p="http://schemas.openxmlformats.org/presentationml/2006/main">
   <p:cSld>
     <p:bg>
@@ -15871,196 +16862,7 @@
 </p:sld>
 </file>
 
-<file path=ppt/slides/slide20.xml><?xml version="1.0" encoding="utf-8"?>
-<p:sld xmlns:a="http://schemas.openxmlformats.org/drawingml/2006/main" xmlns:r="http://schemas.openxmlformats.org/officeDocument/2006/relationships" xmlns:p="http://schemas.openxmlformats.org/presentationml/2006/main">
-  <p:cSld>
-    <p:bg>
-      <p:bgPr>
-        <a:solidFill>
-          <a:schemeClr val="bg1"/>
-        </a:solidFill>
-        <a:effectLst/>
-      </p:bgPr>
-    </p:bg>
-    <p:spTree>
-      <p:nvGrpSpPr>
-        <p:cNvPr id="1" name=""/>
-        <p:cNvGrpSpPr/>
-        <p:nvPr/>
-      </p:nvGrpSpPr>
-      <p:grpSpPr>
-        <a:xfrm>
-          <a:off x="0" y="0"/>
-          <a:ext cx="0" cy="0"/>
-          <a:chOff x="0" y="0"/>
-          <a:chExt cx="0" cy="0"/>
-        </a:xfrm>
-      </p:grpSpPr>
-      <p:sp>
-        <p:nvSpPr>
-          <p:cNvPr id="31" name="Down Arrow 7">
-            <a:extLst>
-              <a:ext uri="{FF2B5EF4-FFF2-40B4-BE49-F238E27FC236}">
-                <a16:creationId xmlns:a16="http://schemas.microsoft.com/office/drawing/2014/main" id="{D4771268-CB57-404A-9271-370EB28F6090}"/>
-              </a:ext>
-              <a:ext uri="{C183D7F6-B498-43B3-948B-1728B52AA6E4}">
-                <adec:decorative xmlns:adec="http://schemas.microsoft.com/office/drawing/2017/decorative" val="1"/>
-              </a:ext>
-            </a:extLst>
-          </p:cNvPr>
-          <p:cNvSpPr>
-            <a:spLocks noGrp="1" noRot="1" noChangeAspect="1" noMove="1" noResize="1" noEditPoints="1" noAdjustHandles="1" noChangeArrowheads="1" noChangeShapeType="1" noTextEdit="1"/>
-          </p:cNvSpPr>
-          <p:nvPr>
-            <p:extLst>
-              <p:ext uri="{386F3935-93C4-4BCD-93E2-E3B085C9AB24}">
-                <p16:designElem xmlns:p16="http://schemas.microsoft.com/office/powerpoint/2015/main" val="1"/>
-              </p:ext>
-            </p:extLst>
-          </p:nvPr>
-        </p:nvSpPr>
-        <p:spPr>
-          <a:xfrm rot="16200000">
-            <a:off x="800100" y="1491343"/>
-            <a:ext cx="3333749" cy="3499103"/>
-          </a:xfrm>
-          <a:prstGeom prst="downArrow">
-            <a:avLst>
-              <a:gd name="adj1" fmla="val 100000"/>
-              <a:gd name="adj2" fmla="val 15788"/>
-            </a:avLst>
-          </a:prstGeom>
-          <a:solidFill>
-            <a:srgbClr val="404040"/>
-          </a:solidFill>
-          <a:ln w="53975">
-            <a:noFill/>
-          </a:ln>
-        </p:spPr>
-        <p:style>
-          <a:lnRef idx="2">
-            <a:schemeClr val="accent1">
-              <a:shade val="50000"/>
-            </a:schemeClr>
-          </a:lnRef>
-          <a:fillRef idx="1">
-            <a:schemeClr val="accent1"/>
-          </a:fillRef>
-          <a:effectRef idx="0">
-            <a:schemeClr val="accent1"/>
-          </a:effectRef>
-          <a:fontRef idx="minor">
-            <a:schemeClr val="lt1"/>
-          </a:fontRef>
-        </p:style>
-        <p:txBody>
-          <a:bodyPr rtlCol="0" anchor="ctr"/>
-          <a:lstStyle/>
-          <a:p>
-            <a:pPr algn="ctr"/>
-            <a:endParaRPr lang="en-US"/>
-          </a:p>
-        </p:txBody>
-      </p:sp>
-      <p:sp>
-        <p:nvSpPr>
-          <p:cNvPr id="2" name="Titel 1">
-            <a:extLst>
-              <a:ext uri="{FF2B5EF4-FFF2-40B4-BE49-F238E27FC236}">
-                <a16:creationId xmlns:a16="http://schemas.microsoft.com/office/drawing/2014/main" id="{C187B6FD-23D6-A736-A3EB-8884DE82658E}"/>
-              </a:ext>
-            </a:extLst>
-          </p:cNvPr>
-          <p:cNvSpPr>
-            <a:spLocks noGrp="1"/>
-          </p:cNvSpPr>
-          <p:nvPr>
-            <p:ph type="title"/>
-          </p:nvPr>
-        </p:nvSpPr>
-        <p:spPr>
-          <a:xfrm>
-            <a:off x="1028700" y="1967266"/>
-            <a:ext cx="2628900" cy="2547257"/>
-          </a:xfrm>
-          <a:prstGeom prst="rect">
-            <a:avLst/>
-          </a:prstGeom>
-          <a:noFill/>
-        </p:spPr>
-        <p:txBody>
-          <a:bodyPr vert="horz" lIns="91440" tIns="45720" rIns="91440" bIns="45720" rtlCol="0" anchor="ctr">
-            <a:normAutofit/>
-          </a:bodyPr>
-          <a:lstStyle/>
-          <a:p>
-            <a:pPr algn="ctr"/>
-            <a:r>
-              <a:rPr lang="en-US" sz="2800" kern="1200">
-                <a:solidFill>
-                  <a:srgbClr val="FFFFFF"/>
-                </a:solidFill>
-                <a:latin typeface="+mj-lt"/>
-                <a:ea typeface="+mj-ea"/>
-                <a:cs typeface="+mj-cs"/>
-              </a:rPr>
-              <a:t>Vielen Dank für Eure Aufmerksamkeit!</a:t>
-            </a:r>
-          </a:p>
-        </p:txBody>
-      </p:sp>
-      <p:pic>
-        <p:nvPicPr>
-          <p:cNvPr id="4" name="Inhaltsplatzhalter 4" descr="Ein Bild, das Smiley, Cartoon, gelb enthält.&#10;&#10;Automatisch generierte Beschreibung">
-            <a:extLst>
-              <a:ext uri="{FF2B5EF4-FFF2-40B4-BE49-F238E27FC236}">
-                <a16:creationId xmlns:a16="http://schemas.microsoft.com/office/drawing/2014/main" id="{CD31162B-CEF8-622D-D526-EB40DEB4A224}"/>
-              </a:ext>
-            </a:extLst>
-          </p:cNvPr>
-          <p:cNvPicPr>
-            <a:picLocks noGrp="1" noChangeAspect="1"/>
-          </p:cNvPicPr>
-          <p:nvPr>
-            <p:ph idx="1"/>
-          </p:nvPr>
-        </p:nvPicPr>
-        <p:blipFill>
-          <a:blip r:embed="rId2">
-            <a:extLst>
-              <a:ext uri="{28A0092B-C50C-407E-A947-70E740481C1C}">
-                <a14:useLocalDpi xmlns:a14="http://schemas.microsoft.com/office/drawing/2010/main" val="0"/>
-              </a:ext>
-            </a:extLst>
-          </a:blip>
-          <a:stretch>
-            <a:fillRect/>
-          </a:stretch>
-        </p:blipFill>
-        <p:spPr>
-          <a:xfrm>
-            <a:off x="5234338" y="643466"/>
-            <a:ext cx="5866655" cy="5568739"/>
-          </a:xfrm>
-          <a:prstGeom prst="rect">
-            <a:avLst/>
-          </a:prstGeom>
-        </p:spPr>
-      </p:pic>
-    </p:spTree>
-    <p:extLst>
-      <p:ext uri="{BB962C8B-B14F-4D97-AF65-F5344CB8AC3E}">
-        <p14:creationId xmlns:p14="http://schemas.microsoft.com/office/powerpoint/2010/main" val="3213108391"/>
-      </p:ext>
-    </p:extLst>
-  </p:cSld>
-  <p:clrMapOvr>
-    <a:masterClrMapping/>
-  </p:clrMapOvr>
-</p:sld>
-</file>
-
-<file path=ppt/slides/slide3.xml><?xml version="1.0" encoding="utf-8"?>
+<file path=ppt/slides/slide4.xml><?xml version="1.0" encoding="utf-8"?>
 <p:sld xmlns:a="http://schemas.openxmlformats.org/drawingml/2006/main" xmlns:r="http://schemas.openxmlformats.org/officeDocument/2006/relationships" xmlns:p="http://schemas.openxmlformats.org/presentationml/2006/main">
   <p:cSld>
     <p:spTree>
@@ -16136,13 +16938,13 @@
               <a:buNone/>
             </a:pPr>
             <a:r>
-              <a:rPr lang="de-DE"/>
+              <a:rPr lang="de-DE" dirty="0"/>
               <a:t>Erreichte Sprint Ziele:</a:t>
             </a:r>
           </a:p>
           <a:p>
             <a:r>
-              <a:rPr lang="de-AT">
+              <a:rPr lang="de-AT" dirty="0">
                 <a:highlight>
                   <a:srgbClr val="00FF00"/>
                 </a:highlight>
@@ -16154,7 +16956,7 @@
             <a:pPr marL="0" indent="0">
               <a:buNone/>
             </a:pPr>
-            <a:endParaRPr lang="de-AT">
+            <a:endParaRPr lang="de-AT" dirty="0">
               <a:highlight>
                 <a:srgbClr val="00FF00"/>
               </a:highlight>
@@ -16165,13 +16967,13 @@
               <a:buNone/>
             </a:pPr>
             <a:r>
-              <a:rPr lang="de-AT"/>
+              <a:rPr lang="de-AT" dirty="0"/>
               <a:t>Sprint Ziele in Bearbeitung:</a:t>
             </a:r>
           </a:p>
           <a:p>
             <a:r>
-              <a:rPr lang="de-AT">
+              <a:rPr lang="de-AT" dirty="0">
                 <a:highlight>
                   <a:srgbClr val="FFFF00"/>
                 </a:highlight>
@@ -16179,7 +16981,7 @@
               <a:t>Add </a:t>
             </a:r>
             <a:r>
-              <a:rPr lang="de-AT" err="1">
+              <a:rPr lang="de-AT" dirty="0" err="1">
                 <a:highlight>
                   <a:srgbClr val="FFFF00"/>
                 </a:highlight>
@@ -16187,7 +16989,7 @@
               <a:t>error</a:t>
             </a:r>
             <a:r>
-              <a:rPr lang="de-AT">
+              <a:rPr lang="de-AT" dirty="0">
                 <a:highlight>
                   <a:srgbClr val="FFFF00"/>
                 </a:highlight>
@@ -16195,7 +16997,7 @@
               <a:t> </a:t>
             </a:r>
             <a:r>
-              <a:rPr lang="de-AT" err="1">
+              <a:rPr lang="de-AT" dirty="0" err="1">
                 <a:highlight>
                   <a:srgbClr val="FFFF00"/>
                 </a:highlight>
@@ -16203,7 +17005,7 @@
               <a:t>handling</a:t>
             </a:r>
             <a:r>
-              <a:rPr lang="de-AT">
+              <a:rPr lang="de-AT" dirty="0">
                 <a:highlight>
                   <a:srgbClr val="FFFF00"/>
                 </a:highlight>
@@ -16211,7 +17013,7 @@
               <a:t> </a:t>
             </a:r>
             <a:r>
-              <a:rPr lang="de-AT" err="1">
+              <a:rPr lang="de-AT" dirty="0" err="1">
                 <a:highlight>
                   <a:srgbClr val="FFFF00"/>
                 </a:highlight>
@@ -16219,7 +17021,7 @@
               <a:t>when</a:t>
             </a:r>
             <a:r>
-              <a:rPr lang="de-AT">
+              <a:rPr lang="de-AT" dirty="0">
                 <a:highlight>
                   <a:srgbClr val="FFFF00"/>
                 </a:highlight>
@@ -16227,7 +17029,7 @@
               <a:t> </a:t>
             </a:r>
             <a:r>
-              <a:rPr lang="de-AT" err="1">
+              <a:rPr lang="de-AT" dirty="0" err="1">
                 <a:highlight>
                   <a:srgbClr val="FFFF00"/>
                 </a:highlight>
@@ -16235,7 +17037,7 @@
               <a:t>server</a:t>
             </a:r>
             <a:r>
-              <a:rPr lang="de-AT">
+              <a:rPr lang="de-AT" dirty="0">
                 <a:highlight>
                   <a:srgbClr val="FFFF00"/>
                 </a:highlight>
@@ -16243,7 +17045,7 @@
               <a:t> </a:t>
             </a:r>
             <a:r>
-              <a:rPr lang="de-AT" err="1">
+              <a:rPr lang="de-AT" dirty="0" err="1">
                 <a:highlight>
                   <a:srgbClr val="FFFF00"/>
                 </a:highlight>
@@ -16251,7 +17053,7 @@
               <a:t>stops</a:t>
             </a:r>
             <a:r>
-              <a:rPr lang="de-AT">
+              <a:rPr lang="de-AT" dirty="0">
                 <a:highlight>
                   <a:srgbClr val="FFFF00"/>
                 </a:highlight>
@@ -16259,14 +17061,14 @@
               <a:t> </a:t>
             </a:r>
             <a:r>
-              <a:rPr lang="de-AT" err="1">
+              <a:rPr lang="de-AT" dirty="0" err="1">
                 <a:highlight>
                   <a:srgbClr val="FFFF00"/>
                 </a:highlight>
               </a:rPr>
               <a:t>existing</a:t>
             </a:r>
-            <a:endParaRPr lang="de-AT">
+            <a:endParaRPr lang="de-AT" dirty="0">
               <a:highlight>
                 <a:srgbClr val="FFFF00"/>
               </a:highlight>
@@ -16274,7 +17076,7 @@
           </a:p>
           <a:p>
             <a:r>
-              <a:rPr lang="de-AT">
+              <a:rPr lang="de-AT" dirty="0">
                 <a:highlight>
                   <a:srgbClr val="FFFF00"/>
                 </a:highlight>
@@ -16282,7 +17084,7 @@
               <a:t>Line </a:t>
             </a:r>
             <a:r>
-              <a:rPr lang="de-AT" err="1">
+              <a:rPr lang="de-AT" dirty="0" err="1">
                 <a:highlight>
                   <a:srgbClr val="FFFF00"/>
                 </a:highlight>
@@ -16290,7 +17092,7 @@
               <a:t>followermode</a:t>
             </a:r>
             <a:r>
-              <a:rPr lang="de-AT">
+              <a:rPr lang="de-AT" dirty="0">
                 <a:highlight>
                   <a:srgbClr val="FFFF00"/>
                 </a:highlight>
@@ -16300,7 +17102,7 @@
           </a:p>
           <a:p>
             <a:r>
-              <a:rPr lang="de-AT" err="1">
+              <a:rPr lang="de-AT" dirty="0" err="1">
                 <a:highlight>
                   <a:srgbClr val="FFFF00"/>
                 </a:highlight>
@@ -16308,7 +17110,7 @@
               <a:t>Suicide</a:t>
             </a:r>
             <a:r>
-              <a:rPr lang="de-AT">
+              <a:rPr lang="de-AT" dirty="0">
                 <a:highlight>
                   <a:srgbClr val="FFFF00"/>
                 </a:highlight>
@@ -16316,14 +17118,14 @@
               <a:t> </a:t>
             </a:r>
             <a:r>
-              <a:rPr lang="de-AT" err="1">
+              <a:rPr lang="de-AT" dirty="0" err="1">
                 <a:highlight>
                   <a:srgbClr val="FFFF00"/>
                 </a:highlight>
               </a:rPr>
               <a:t>Prevention</a:t>
             </a:r>
-            <a:endParaRPr lang="de-AT">
+            <a:endParaRPr lang="de-AT" dirty="0">
               <a:highlight>
                 <a:srgbClr val="FFFF00"/>
               </a:highlight>
@@ -16331,7 +17133,7 @@
           </a:p>
           <a:p>
             <a:r>
-              <a:rPr lang="de-AT">
+              <a:rPr lang="de-AT" dirty="0">
                 <a:highlight>
                   <a:srgbClr val="FF0000"/>
                 </a:highlight>
@@ -16339,7 +17141,7 @@
               <a:t>Add 3D </a:t>
             </a:r>
             <a:r>
-              <a:rPr lang="de-AT" err="1">
+              <a:rPr lang="de-AT" dirty="0" err="1">
                 <a:highlight>
                   <a:srgbClr val="FF0000"/>
                 </a:highlight>
@@ -16347,7 +17149,7 @@
               <a:t>map</a:t>
             </a:r>
             <a:r>
-              <a:rPr lang="de-AT">
+              <a:rPr lang="de-AT" dirty="0">
                 <a:highlight>
                   <a:srgbClr val="FF0000"/>
                 </a:highlight>
@@ -16355,7 +17157,7 @@
               <a:t> </a:t>
             </a:r>
             <a:r>
-              <a:rPr lang="de-AT" err="1">
+              <a:rPr lang="de-AT" dirty="0" err="1">
                 <a:highlight>
                   <a:srgbClr val="FF0000"/>
                 </a:highlight>
@@ -16363,7 +17165,7 @@
               <a:t>to</a:t>
             </a:r>
             <a:r>
-              <a:rPr lang="de-AT">
+              <a:rPr lang="de-AT" dirty="0">
                 <a:highlight>
                   <a:srgbClr val="FF0000"/>
                 </a:highlight>
@@ -16371,7 +17173,7 @@
               <a:t> </a:t>
             </a:r>
             <a:r>
-              <a:rPr lang="de-AT" err="1">
+              <a:rPr lang="de-AT" dirty="0" err="1">
                 <a:highlight>
                   <a:srgbClr val="FF0000"/>
                 </a:highlight>
@@ -16379,7 +17181,7 @@
               <a:t>mbot</a:t>
             </a:r>
             <a:r>
-              <a:rPr lang="de-AT">
+              <a:rPr lang="de-AT" dirty="0">
                 <a:highlight>
                   <a:srgbClr val="FF0000"/>
                 </a:highlight>
@@ -16387,7 +17189,7 @@
               <a:t> </a:t>
             </a:r>
             <a:r>
-              <a:rPr lang="de-AT" err="1">
+              <a:rPr lang="de-AT" dirty="0" err="1">
                 <a:highlight>
                   <a:srgbClr val="FF0000"/>
                 </a:highlight>
@@ -16395,7 +17197,7 @@
               <a:t>detail</a:t>
             </a:r>
             <a:r>
-              <a:rPr lang="de-AT">
+              <a:rPr lang="de-AT" dirty="0">
                 <a:highlight>
                   <a:srgbClr val="FF0000"/>
                 </a:highlight>
@@ -16403,14 +17205,14 @@
               <a:t> </a:t>
             </a:r>
             <a:r>
-              <a:rPr lang="de-AT" err="1">
+              <a:rPr lang="de-AT" dirty="0" err="1">
                 <a:highlight>
                   <a:srgbClr val="FF0000"/>
                 </a:highlight>
               </a:rPr>
               <a:t>view</a:t>
             </a:r>
-            <a:endParaRPr lang="de-AT">
+            <a:endParaRPr lang="de-AT" dirty="0">
               <a:highlight>
                 <a:srgbClr val="FF0000"/>
               </a:highlight>
@@ -16431,7 +17233,7 @@
 </p:sld>
 </file>
 
-<file path=ppt/slides/slide4.xml><?xml version="1.0" encoding="utf-8"?>
+<file path=ppt/slides/slide5.xml><?xml version="1.0" encoding="utf-8"?>
 <p:sld xmlns:a="http://schemas.openxmlformats.org/drawingml/2006/main" xmlns:r="http://schemas.openxmlformats.org/officeDocument/2006/relationships" xmlns:p="http://schemas.openxmlformats.org/presentationml/2006/main">
   <p:cSld>
     <p:bg>
@@ -16937,7 +17739,7 @@
 </p:sld>
 </file>
 
-<file path=ppt/slides/slide5.xml><?xml version="1.0" encoding="utf-8"?>
+<file path=ppt/slides/slide6.xml><?xml version="1.0" encoding="utf-8"?>
 <p:sld xmlns:a="http://schemas.openxmlformats.org/drawingml/2006/main" xmlns:r="http://schemas.openxmlformats.org/officeDocument/2006/relationships" xmlns:p="http://schemas.openxmlformats.org/presentationml/2006/main">
   <p:cSld>
     <p:bg>
@@ -17418,7 +18220,7 @@
 </p:sld>
 </file>
 
-<file path=ppt/slides/slide6.xml><?xml version="1.0" encoding="utf-8"?>
+<file path=ppt/slides/slide7.xml><?xml version="1.0" encoding="utf-8"?>
 <p:sld xmlns:a="http://schemas.openxmlformats.org/drawingml/2006/main" xmlns:r="http://schemas.openxmlformats.org/officeDocument/2006/relationships" xmlns:p="http://schemas.openxmlformats.org/presentationml/2006/main">
   <p:cSld>
     <p:spTree>
@@ -18566,7 +19368,7 @@
 </p:sld>
 </file>
 
-<file path=ppt/slides/slide7.xml><?xml version="1.0" encoding="utf-8"?>
+<file path=ppt/slides/slide8.xml><?xml version="1.0" encoding="utf-8"?>
 <p:sld xmlns:a="http://schemas.openxmlformats.org/drawingml/2006/main" xmlns:r="http://schemas.openxmlformats.org/officeDocument/2006/relationships" xmlns:p="http://schemas.openxmlformats.org/presentationml/2006/main">
   <p:cSld>
     <p:spTree>
@@ -18743,7 +19545,7 @@
 </p:sld>
 </file>
 
-<file path=ppt/slides/slide8.xml><?xml version="1.0" encoding="utf-8"?>
+<file path=ppt/slides/slide9.xml><?xml version="1.0" encoding="utf-8"?>
 <p:sld xmlns:a="http://schemas.openxmlformats.org/drawingml/2006/main" xmlns:r="http://schemas.openxmlformats.org/officeDocument/2006/relationships" xmlns:p="http://schemas.openxmlformats.org/presentationml/2006/main">
   <p:cSld>
     <p:spTree>
@@ -19954,201 +20756,6 @@
 </p:sld>
 </file>
 
-<file path=ppt/slides/slide9.xml><?xml version="1.0" encoding="utf-8"?>
-<p:sld xmlns:a="http://schemas.openxmlformats.org/drawingml/2006/main" xmlns:r="http://schemas.openxmlformats.org/officeDocument/2006/relationships" xmlns:p="http://schemas.openxmlformats.org/presentationml/2006/main">
-  <p:cSld>
-    <p:spTree>
-      <p:nvGrpSpPr>
-        <p:cNvPr id="1" name=""/>
-        <p:cNvGrpSpPr/>
-        <p:nvPr/>
-      </p:nvGrpSpPr>
-      <p:grpSpPr>
-        <a:xfrm>
-          <a:off x="0" y="0"/>
-          <a:ext cx="0" cy="0"/>
-          <a:chOff x="0" y="0"/>
-          <a:chExt cx="0" cy="0"/>
-        </a:xfrm>
-      </p:grpSpPr>
-      <p:sp>
-        <p:nvSpPr>
-          <p:cNvPr id="2" name="Titel 1">
-            <a:extLst>
-              <a:ext uri="{FF2B5EF4-FFF2-40B4-BE49-F238E27FC236}">
-                <a16:creationId xmlns:a16="http://schemas.microsoft.com/office/drawing/2014/main" id="{CB07D2BA-AF63-C48C-CEC1-0A4D53E2DCA2}"/>
-              </a:ext>
-            </a:extLst>
-          </p:cNvPr>
-          <p:cNvSpPr>
-            <a:spLocks noGrp="1"/>
-          </p:cNvSpPr>
-          <p:nvPr>
-            <p:ph type="title"/>
-          </p:nvPr>
-        </p:nvSpPr>
-        <p:spPr/>
-        <p:txBody>
-          <a:bodyPr/>
-          <a:lstStyle/>
-          <a:p>
-            <a:endParaRPr lang="de-DE"/>
-          </a:p>
-        </p:txBody>
-      </p:sp>
-      <p:sp>
-        <p:nvSpPr>
-          <p:cNvPr id="4" name="TextBox 4">
-            <a:extLst>
-              <a:ext uri="{FF2B5EF4-FFF2-40B4-BE49-F238E27FC236}">
-                <a16:creationId xmlns:a16="http://schemas.microsoft.com/office/drawing/2014/main" id="{E5040485-7734-CB26-41AD-D60743DEB8F6}"/>
-              </a:ext>
-            </a:extLst>
-          </p:cNvPr>
-          <p:cNvSpPr txBox="1"/>
-          <p:nvPr/>
-        </p:nvSpPr>
-        <p:spPr>
-          <a:xfrm>
-            <a:off x="2079301" y="1690688"/>
-            <a:ext cx="7060565" cy="954107"/>
-          </a:xfrm>
-          <a:prstGeom prst="rect">
-            <a:avLst/>
-          </a:prstGeom>
-          <a:noFill/>
-        </p:spPr>
-        <p:txBody>
-          <a:bodyPr wrap="square" lIns="91440" tIns="45720" rIns="91440" bIns="45720" rtlCol="0" anchor="t">
-            <a:spAutoFit/>
-          </a:bodyPr>
-          <a:lstStyle/>
-          <a:p>
-            <a:r>
-              <a:rPr lang="de-DE" sz="1400" dirty="0">
-                <a:latin typeface="Calibri"/>
-                <a:cs typeface="Calibri"/>
-              </a:rPr>
-              <a:t>Geplante </a:t>
-            </a:r>
-            <a:r>
-              <a:rPr lang="de-DE" sz="1400" dirty="0" err="1">
-                <a:latin typeface="Calibri"/>
-                <a:cs typeface="Calibri"/>
-              </a:rPr>
-              <a:t>Storypoints</a:t>
-            </a:r>
-            <a:r>
-              <a:rPr lang="de-DE" sz="1400" dirty="0">
-                <a:latin typeface="Calibri"/>
-                <a:cs typeface="Calibri"/>
-              </a:rPr>
-              <a:t>: 57</a:t>
-            </a:r>
-          </a:p>
-          <a:p>
-            <a:r>
-              <a:rPr lang="de-DE" sz="1400" dirty="0">
-                <a:latin typeface="Calibri"/>
-                <a:cs typeface="Calibri"/>
-              </a:rPr>
-              <a:t>Erledigte </a:t>
-            </a:r>
-            <a:r>
-              <a:rPr lang="de-DE" sz="1400" dirty="0" err="1">
-                <a:latin typeface="Calibri"/>
-                <a:cs typeface="Calibri"/>
-              </a:rPr>
-              <a:t>Storypoints</a:t>
-            </a:r>
-            <a:r>
-              <a:rPr lang="de-DE" sz="1400" dirty="0">
-                <a:latin typeface="Calibri"/>
-                <a:cs typeface="Calibri"/>
-              </a:rPr>
-              <a:t>: 39</a:t>
-            </a:r>
-            <a:endParaRPr lang="de-DE" sz="1400" dirty="0">
-              <a:latin typeface="Calibri"/>
-              <a:ea typeface="Calibri"/>
-              <a:cs typeface="Calibri"/>
-            </a:endParaRPr>
-          </a:p>
-          <a:p>
-            <a:r>
-              <a:rPr lang="de-DE" sz="1400" dirty="0">
-                <a:latin typeface="Calibri"/>
-                <a:cs typeface="Calibri"/>
-              </a:rPr>
-              <a:t>Offene </a:t>
-            </a:r>
-            <a:r>
-              <a:rPr lang="de-DE" sz="1400" dirty="0" err="1">
-                <a:latin typeface="Calibri"/>
-                <a:cs typeface="Calibri"/>
-              </a:rPr>
-              <a:t>Storypoints</a:t>
-            </a:r>
-            <a:r>
-              <a:rPr lang="de-DE" sz="1400" dirty="0">
-                <a:latin typeface="Calibri"/>
-                <a:cs typeface="Calibri"/>
-              </a:rPr>
-              <a:t>:   18</a:t>
-            </a:r>
-            <a:endParaRPr lang="de-DE" sz="1400" dirty="0">
-              <a:latin typeface="Calibri" panose="020F0502020204030204" charset="0"/>
-              <a:cs typeface="Calibri"/>
-            </a:endParaRPr>
-          </a:p>
-          <a:p>
-            <a:endParaRPr lang="de-DE" sz="1400" dirty="0">
-              <a:latin typeface="Calibri" panose="020F0502020204030204" charset="0"/>
-            </a:endParaRPr>
-          </a:p>
-        </p:txBody>
-      </p:sp>
-      <p:graphicFrame>
-        <p:nvGraphicFramePr>
-          <p:cNvPr id="5" name="Diagramm 4" descr="Fett">
-            <a:extLst>
-              <a:ext uri="{FF2B5EF4-FFF2-40B4-BE49-F238E27FC236}">
-                <a16:creationId xmlns:a16="http://schemas.microsoft.com/office/drawing/2014/main" id="{734D5E53-2418-EDD4-B479-052CDC1FFDE6}"/>
-              </a:ext>
-            </a:extLst>
-          </p:cNvPr>
-          <p:cNvGraphicFramePr/>
-          <p:nvPr>
-            <p:extLst>
-              <p:ext uri="{D42A27DB-BD31-4B8C-83A1-F6EECF244321}">
-                <p14:modId xmlns:p14="http://schemas.microsoft.com/office/powerpoint/2010/main" val="1290719947"/>
-              </p:ext>
-            </p:extLst>
-          </p:nvPr>
-        </p:nvGraphicFramePr>
-        <p:xfrm>
-          <a:off x="2606033" y="2546500"/>
-          <a:ext cx="7011035" cy="4064000"/>
-        </p:xfrm>
-        <a:graphic>
-          <a:graphicData uri="http://schemas.openxmlformats.org/drawingml/2006/chart">
-            <c:chart xmlns:c="http://schemas.openxmlformats.org/drawingml/2006/chart" xmlns:r="http://schemas.openxmlformats.org/officeDocument/2006/relationships" r:id="rId2"/>
-          </a:graphicData>
-        </a:graphic>
-      </p:graphicFrame>
-    </p:spTree>
-    <p:extLst>
-      <p:ext uri="{BB962C8B-B14F-4D97-AF65-F5344CB8AC3E}">
-        <p14:creationId xmlns:p14="http://schemas.microsoft.com/office/powerpoint/2010/main" val="26891339"/>
-      </p:ext>
-    </p:extLst>
-  </p:cSld>
-  <p:clrMapOvr>
-    <a:masterClrMapping/>
-  </p:clrMapOvr>
-</p:sld>
-</file>
-
 <file path=ppt/theme/theme1.xml><?xml version="1.0" encoding="utf-8"?>
 <a:theme xmlns:a="http://schemas.openxmlformats.org/drawingml/2006/main" name="Office Theme">
   <a:themeElements>
@@ -20462,4 +21069,319 @@
     </a:ext>
   </a:extLst>
 </a:theme>
+</file>
+
+<file path=ppt/theme/theme2.xml><?xml version="1.0" encoding="utf-8"?>
+<a:theme xmlns:a="http://schemas.openxmlformats.org/drawingml/2006/main" name="Office">
+  <a:themeElements>
+    <a:clrScheme name="Office">
+      <a:dk1>
+        <a:sysClr val="windowText" lastClr="000000"/>
+      </a:dk1>
+      <a:lt1>
+        <a:sysClr val="window" lastClr="FFFFFF"/>
+      </a:lt1>
+      <a:dk2>
+        <a:srgbClr val="0E2841"/>
+      </a:dk2>
+      <a:lt2>
+        <a:srgbClr val="E8E8E8"/>
+      </a:lt2>
+      <a:accent1>
+        <a:srgbClr val="156082"/>
+      </a:accent1>
+      <a:accent2>
+        <a:srgbClr val="E97132"/>
+      </a:accent2>
+      <a:accent3>
+        <a:srgbClr val="196B24"/>
+      </a:accent3>
+      <a:accent4>
+        <a:srgbClr val="0F9ED5"/>
+      </a:accent4>
+      <a:accent5>
+        <a:srgbClr val="A02B93"/>
+      </a:accent5>
+      <a:accent6>
+        <a:srgbClr val="4EA72E"/>
+      </a:accent6>
+      <a:hlink>
+        <a:srgbClr val="467886"/>
+      </a:hlink>
+      <a:folHlink>
+        <a:srgbClr val="96607D"/>
+      </a:folHlink>
+    </a:clrScheme>
+    <a:fontScheme name="Office">
+      <a:majorFont>
+        <a:latin typeface="Aptos Display" panose="02110004020202020204"/>
+        <a:ea typeface=""/>
+        <a:cs typeface=""/>
+        <a:font script="Jpan" typeface="游ゴシック Light"/>
+        <a:font script="Hang" typeface="맑은 고딕"/>
+        <a:font script="Hans" typeface="等线 Light"/>
+        <a:font script="Hant" typeface="新細明體"/>
+        <a:font script="Arab" typeface="Times New Roman"/>
+        <a:font script="Hebr" typeface="Times New Roman"/>
+        <a:font script="Thai" typeface="Angsana New"/>
+        <a:font script="Ethi" typeface="Nyala"/>
+        <a:font script="Beng" typeface="Vrinda"/>
+        <a:font script="Gujr" typeface="Shruti"/>
+        <a:font script="Khmr" typeface="MoolBoran"/>
+        <a:font script="Knda" typeface="Tunga"/>
+        <a:font script="Guru" typeface="Raavi"/>
+        <a:font script="Cans" typeface="Euphemia"/>
+        <a:font script="Cher" typeface="Plantagenet Cherokee"/>
+        <a:font script="Yiii" typeface="Microsoft Yi Baiti"/>
+        <a:font script="Tibt" typeface="Microsoft Himalaya"/>
+        <a:font script="Thaa" typeface="MV Boli"/>
+        <a:font script="Deva" typeface="Mangal"/>
+        <a:font script="Telu" typeface="Gautami"/>
+        <a:font script="Taml" typeface="Latha"/>
+        <a:font script="Syrc" typeface="Estrangelo Edessa"/>
+        <a:font script="Orya" typeface="Kalinga"/>
+        <a:font script="Mlym" typeface="Kartika"/>
+        <a:font script="Laoo" typeface="DokChampa"/>
+        <a:font script="Sinh" typeface="Iskoola Pota"/>
+        <a:font script="Mong" typeface="Mongolian Baiti"/>
+        <a:font script="Viet" typeface="Times New Roman"/>
+        <a:font script="Uigh" typeface="Microsoft Uighur"/>
+        <a:font script="Geor" typeface="Sylfaen"/>
+        <a:font script="Armn" typeface="Arial"/>
+        <a:font script="Bugi" typeface="Leelawadee UI"/>
+        <a:font script="Bopo" typeface="Microsoft JhengHei"/>
+        <a:font script="Java" typeface="Javanese Text"/>
+        <a:font script="Lisu" typeface="Segoe UI"/>
+        <a:font script="Mymr" typeface="Myanmar Text"/>
+        <a:font script="Nkoo" typeface="Ebrima"/>
+        <a:font script="Olck" typeface="Nirmala UI"/>
+        <a:font script="Osma" typeface="Ebrima"/>
+        <a:font script="Phag" typeface="Phagspa"/>
+        <a:font script="Syrn" typeface="Estrangelo Edessa"/>
+        <a:font script="Syrj" typeface="Estrangelo Edessa"/>
+        <a:font script="Syre" typeface="Estrangelo Edessa"/>
+        <a:font script="Sora" typeface="Nirmala UI"/>
+        <a:font script="Tale" typeface="Microsoft Tai Le"/>
+        <a:font script="Talu" typeface="Microsoft New Tai Lue"/>
+        <a:font script="Tfng" typeface="Ebrima"/>
+      </a:majorFont>
+      <a:minorFont>
+        <a:latin typeface="Aptos" panose="02110004020202020204"/>
+        <a:ea typeface=""/>
+        <a:cs typeface=""/>
+        <a:font script="Jpan" typeface="游ゴシック"/>
+        <a:font script="Hang" typeface="맑은 고딕"/>
+        <a:font script="Hans" typeface="等线"/>
+        <a:font script="Hant" typeface="新細明體"/>
+        <a:font script="Arab" typeface="Arial"/>
+        <a:font script="Hebr" typeface="Arial"/>
+        <a:font script="Thai" typeface="Cordia New"/>
+        <a:font script="Ethi" typeface="Nyala"/>
+        <a:font script="Beng" typeface="Vrinda"/>
+        <a:font script="Gujr" typeface="Shruti"/>
+        <a:font script="Khmr" typeface="DaunPenh"/>
+        <a:font script="Knda" typeface="Tunga"/>
+        <a:font script="Guru" typeface="Raavi"/>
+        <a:font script="Cans" typeface="Euphemia"/>
+        <a:font script="Cher" typeface="Plantagenet Cherokee"/>
+        <a:font script="Yiii" typeface="Microsoft Yi Baiti"/>
+        <a:font script="Tibt" typeface="Microsoft Himalaya"/>
+        <a:font script="Thaa" typeface="MV Boli"/>
+        <a:font script="Deva" typeface="Mangal"/>
+        <a:font script="Telu" typeface="Gautami"/>
+        <a:font script="Taml" typeface="Latha"/>
+        <a:font script="Syrc" typeface="Estrangelo Edessa"/>
+        <a:font script="Orya" typeface="Kalinga"/>
+        <a:font script="Mlym" typeface="Kartika"/>
+        <a:font script="Laoo" typeface="DokChampa"/>
+        <a:font script="Sinh" typeface="Iskoola Pota"/>
+        <a:font script="Mong" typeface="Mongolian Baiti"/>
+        <a:font script="Viet" typeface="Arial"/>
+        <a:font script="Uigh" typeface="Microsoft Uighur"/>
+        <a:font script="Geor" typeface="Sylfaen"/>
+        <a:font script="Armn" typeface="Arial"/>
+        <a:font script="Bugi" typeface="Leelawadee UI"/>
+        <a:font script="Bopo" typeface="Microsoft JhengHei"/>
+        <a:font script="Java" typeface="Javanese Text"/>
+        <a:font script="Lisu" typeface="Segoe UI"/>
+        <a:font script="Mymr" typeface="Myanmar Text"/>
+        <a:font script="Nkoo" typeface="Ebrima"/>
+        <a:font script="Olck" typeface="Nirmala UI"/>
+        <a:font script="Osma" typeface="Ebrima"/>
+        <a:font script="Phag" typeface="Phagspa"/>
+        <a:font script="Syrn" typeface="Estrangelo Edessa"/>
+        <a:font script="Syrj" typeface="Estrangelo Edessa"/>
+        <a:font script="Syre" typeface="Estrangelo Edessa"/>
+        <a:font script="Sora" typeface="Nirmala UI"/>
+        <a:font script="Tale" typeface="Microsoft Tai Le"/>
+        <a:font script="Talu" typeface="Microsoft New Tai Lue"/>
+        <a:font script="Tfng" typeface="Ebrima"/>
+      </a:minorFont>
+    </a:fontScheme>
+    <a:fmtScheme name="Office">
+      <a:fillStyleLst>
+        <a:solidFill>
+          <a:schemeClr val="phClr"/>
+        </a:solidFill>
+        <a:gradFill rotWithShape="1">
+          <a:gsLst>
+            <a:gs pos="0">
+              <a:schemeClr val="phClr">
+                <a:lumMod val="110000"/>
+                <a:satMod val="105000"/>
+                <a:tint val="67000"/>
+              </a:schemeClr>
+            </a:gs>
+            <a:gs pos="50000">
+              <a:schemeClr val="phClr">
+                <a:lumMod val="105000"/>
+                <a:satMod val="103000"/>
+                <a:tint val="73000"/>
+              </a:schemeClr>
+            </a:gs>
+            <a:gs pos="100000">
+              <a:schemeClr val="phClr">
+                <a:lumMod val="105000"/>
+                <a:satMod val="109000"/>
+                <a:tint val="81000"/>
+              </a:schemeClr>
+            </a:gs>
+          </a:gsLst>
+          <a:lin ang="5400000" scaled="0"/>
+        </a:gradFill>
+        <a:gradFill rotWithShape="1">
+          <a:gsLst>
+            <a:gs pos="0">
+              <a:schemeClr val="phClr">
+                <a:satMod val="103000"/>
+                <a:lumMod val="102000"/>
+                <a:tint val="94000"/>
+              </a:schemeClr>
+            </a:gs>
+            <a:gs pos="50000">
+              <a:schemeClr val="phClr">
+                <a:satMod val="110000"/>
+                <a:lumMod val="100000"/>
+                <a:shade val="100000"/>
+              </a:schemeClr>
+            </a:gs>
+            <a:gs pos="100000">
+              <a:schemeClr val="phClr">
+                <a:lumMod val="99000"/>
+                <a:satMod val="120000"/>
+                <a:shade val="78000"/>
+              </a:schemeClr>
+            </a:gs>
+          </a:gsLst>
+          <a:lin ang="5400000" scaled="0"/>
+        </a:gradFill>
+      </a:fillStyleLst>
+      <a:lnStyleLst>
+        <a:ln w="12700" cap="flat" cmpd="sng" algn="ctr">
+          <a:solidFill>
+            <a:schemeClr val="phClr"/>
+          </a:solidFill>
+          <a:prstDash val="solid"/>
+          <a:miter lim="800000"/>
+        </a:ln>
+        <a:ln w="19050" cap="flat" cmpd="sng" algn="ctr">
+          <a:solidFill>
+            <a:schemeClr val="phClr"/>
+          </a:solidFill>
+          <a:prstDash val="solid"/>
+          <a:miter lim="800000"/>
+        </a:ln>
+        <a:ln w="25400" cap="flat" cmpd="sng" algn="ctr">
+          <a:solidFill>
+            <a:schemeClr val="phClr"/>
+          </a:solidFill>
+          <a:prstDash val="solid"/>
+          <a:miter lim="800000"/>
+        </a:ln>
+      </a:lnStyleLst>
+      <a:effectStyleLst>
+        <a:effectStyle>
+          <a:effectLst/>
+        </a:effectStyle>
+        <a:effectStyle>
+          <a:effectLst/>
+        </a:effectStyle>
+        <a:effectStyle>
+          <a:effectLst>
+            <a:outerShdw blurRad="57150" dist="19050" dir="5400000" algn="ctr" rotWithShape="0">
+              <a:srgbClr val="000000">
+                <a:alpha val="63000"/>
+              </a:srgbClr>
+            </a:outerShdw>
+          </a:effectLst>
+        </a:effectStyle>
+      </a:effectStyleLst>
+      <a:bgFillStyleLst>
+        <a:solidFill>
+          <a:schemeClr val="phClr"/>
+        </a:solidFill>
+        <a:solidFill>
+          <a:schemeClr val="phClr">
+            <a:tint val="95000"/>
+            <a:satMod val="170000"/>
+          </a:schemeClr>
+        </a:solidFill>
+        <a:gradFill rotWithShape="1">
+          <a:gsLst>
+            <a:gs pos="0">
+              <a:schemeClr val="phClr">
+                <a:tint val="93000"/>
+                <a:satMod val="150000"/>
+                <a:shade val="98000"/>
+                <a:lumMod val="102000"/>
+              </a:schemeClr>
+            </a:gs>
+            <a:gs pos="50000">
+              <a:schemeClr val="phClr">
+                <a:tint val="98000"/>
+                <a:satMod val="130000"/>
+                <a:shade val="90000"/>
+                <a:lumMod val="103000"/>
+              </a:schemeClr>
+            </a:gs>
+            <a:gs pos="100000">
+              <a:schemeClr val="phClr">
+                <a:shade val="63000"/>
+                <a:satMod val="120000"/>
+              </a:schemeClr>
+            </a:gs>
+          </a:gsLst>
+          <a:lin ang="5400000" scaled="0"/>
+        </a:gradFill>
+      </a:bgFillStyleLst>
+    </a:fmtScheme>
+  </a:themeElements>
+  <a:objectDefaults>
+    <a:lnDef>
+      <a:spPr/>
+      <a:bodyPr/>
+      <a:lstStyle/>
+      <a:style>
+        <a:lnRef idx="2">
+          <a:schemeClr val="accent1"/>
+        </a:lnRef>
+        <a:fillRef idx="0">
+          <a:schemeClr val="accent1"/>
+        </a:fillRef>
+        <a:effectRef idx="1">
+          <a:schemeClr val="accent1"/>
+        </a:effectRef>
+        <a:fontRef idx="minor">
+          <a:schemeClr val="tx1"/>
+        </a:fontRef>
+      </a:style>
+    </a:lnDef>
+  </a:objectDefaults>
+  <a:extraClrSchemeLst/>
+  <a:extLst>
+    <a:ext uri="{05A4C25C-085E-4340-85A3-A5531E510DB2}">
+      <thm15:themeFamily xmlns:thm15="http://schemas.microsoft.com/office/thememl/2012/main" name="Office Theme" id="{2E142A2C-CD16-42D6-873A-C26D2A0506FA}" vid="{1BDDFF52-6CD6-40A5-AB3C-68EB2F1E4D0A}"/>
+    </a:ext>
+  </a:extLst>
+</a:theme>
 </file>